--- a/Presentations/Orchestration and Swordfish Concepts v1.pptx
+++ b/Presentations/Orchestration and Swordfish Concepts v1.pptx
@@ -17,8 +17,9 @@
     <p:sldId id="273" r:id="rId11"/>
     <p:sldId id="288" r:id="rId12"/>
     <p:sldId id="292" r:id="rId13"/>
-    <p:sldId id="290" r:id="rId14"/>
-    <p:sldId id="293" r:id="rId15"/>
+    <p:sldId id="294" r:id="rId14"/>
+    <p:sldId id="290" r:id="rId15"/>
+    <p:sldId id="293" r:id="rId16"/>
   </p:sldIdLst>
   <p:sldSz cx="12192000" cy="6858000"/>
   <p:notesSz cx="6858000" cy="9144000"/>
@@ -6904,7 +6905,7 @@
         <p:spPr/>
         <p:txBody>
           <a:bodyPr>
-            <a:normAutofit fontScale="77500" lnSpcReduction="20000"/>
+            <a:normAutofit fontScale="70000" lnSpcReduction="20000"/>
           </a:bodyPr>
           <a:lstStyle/>
           <a:p>
@@ -6958,6 +6959,13 @@
             <a:pPr lvl="1"/>
             <a:r>
               <a:rPr lang="en-US" dirty="0"/>
+              <a:t>No federation</a:t>
+            </a:r>
+          </a:p>
+          <a:p>
+            <a:pPr lvl="1"/>
+            <a:r>
+              <a:rPr lang="en-US" dirty="0"/>
               <a:t>No storage scheduling</a:t>
             </a:r>
           </a:p>
@@ -6979,13 +6987,8 @@
             <a:pPr lvl="2"/>
             <a:r>
               <a:rPr lang="en-US" dirty="0"/>
-              <a:t>No events </a:t>
-            </a:r>
-            <a:r>
-              <a:rPr lang="en-US" dirty="0" err="1"/>
-              <a:t>mangement</a:t>
-            </a:r>
-            <a:endParaRPr lang="en-US" dirty="0"/>
+              <a:t>No events management</a:t>
+            </a:r>
           </a:p>
           <a:p>
             <a:pPr lvl="2"/>
@@ -7099,13 +7102,13 @@
         </p:nvSpPr>
         <p:spPr>
           <a:xfrm>
-            <a:off x="838199" y="1825625"/>
-            <a:ext cx="7223236" cy="4351338"/>
+            <a:off x="571736" y="1764385"/>
+            <a:ext cx="7151704" cy="4351338"/>
           </a:xfrm>
         </p:spPr>
         <p:txBody>
           <a:bodyPr>
-            <a:normAutofit fontScale="70000" lnSpcReduction="20000"/>
+            <a:normAutofit fontScale="92500" lnSpcReduction="10000"/>
           </a:bodyPr>
           <a:lstStyle/>
           <a:p>
@@ -7147,7 +7150,7 @@
             <a:pPr lvl="1"/>
             <a:r>
               <a:rPr lang="en-US" dirty="0"/>
-              <a:t>Organizing an arrays  storage service</a:t>
+              <a:t>Organizing an arrays storage service in a standard way</a:t>
             </a:r>
           </a:p>
           <a:p>
@@ -7183,19 +7186,6 @@
             <a:r>
               <a:rPr lang="en-US" dirty="0"/>
               <a:t>Events, triggers, logs and performance data</a:t>
-            </a:r>
-          </a:p>
-          <a:p>
-            <a:r>
-              <a:rPr lang="en-US" dirty="0"/>
-              <a:t>Swordfish is more than a physical array storage service/management API</a:t>
-            </a:r>
-          </a:p>
-          <a:p>
-            <a:pPr lvl="1"/>
-            <a:r>
-              <a:rPr lang="en-US" dirty="0"/>
-              <a:t>It can also be a unifying virtual storage service that is composed of other storage services</a:t>
             </a:r>
           </a:p>
         </p:txBody>
@@ -7274,8 +7264,8 @@
         </p:blipFill>
         <p:spPr>
           <a:xfrm>
-            <a:off x="2563759" y="1482233"/>
-            <a:ext cx="1272517" cy="896948"/>
+            <a:off x="2711099" y="1427034"/>
+            <a:ext cx="1502017" cy="1058714"/>
           </a:xfrm>
           <a:prstGeom prst="rect">
             <a:avLst/>
@@ -7314,51 +7304,13 @@
       </p:grpSpPr>
       <p:sp>
         <p:nvSpPr>
-          <p:cNvPr id="3" name="Rectangle 2"/>
-          <p:cNvSpPr/>
-          <p:nvPr/>
-        </p:nvSpPr>
-        <p:spPr>
-          <a:xfrm>
-            <a:off x="2570957" y="3143855"/>
-            <a:ext cx="7315200" cy="1371600"/>
-          </a:xfrm>
-          <a:prstGeom prst="rect">
-            <a:avLst/>
-          </a:prstGeom>
-          <a:solidFill>
-            <a:srgbClr val="C7A9F2"/>
-          </a:solidFill>
-          <a:ln>
-            <a:noFill/>
-          </a:ln>
-        </p:spPr>
-        <p:style>
-          <a:lnRef idx="1">
-            <a:schemeClr val="accent1"/>
-          </a:lnRef>
-          <a:fillRef idx="2">
-            <a:schemeClr val="accent1"/>
-          </a:fillRef>
-          <a:effectRef idx="1">
-            <a:schemeClr val="accent1"/>
-          </a:effectRef>
-          <a:fontRef idx="minor">
-            <a:schemeClr val="dk1"/>
-          </a:fontRef>
-        </p:style>
-        <p:txBody>
-          <a:bodyPr rtlCol="0" anchor="ctr"/>
-          <a:lstStyle/>
-          <a:p>
-            <a:pPr algn="ctr"/>
-            <a:endParaRPr lang="en-US"/>
-          </a:p>
-        </p:txBody>
-      </p:sp>
-      <p:sp>
-        <p:nvSpPr>
-          <p:cNvPr id="2" name="Title 1"/>
+          <p:cNvPr id="2" name="Title 1">
+            <a:extLst>
+              <a:ext uri="{FF2B5EF4-FFF2-40B4-BE49-F238E27FC236}">
+                <a16:creationId xmlns:a16="http://schemas.microsoft.com/office/drawing/2014/main" id="{5ADAF9C2-09CF-4117-81DC-F47FB1DBEDD0}"/>
+              </a:ext>
+            </a:extLst>
+          </p:cNvPr>
           <p:cNvSpPr>
             <a:spLocks noGrp="1"/>
           </p:cNvSpPr>
@@ -7373,1024 +7325,87 @@
           <a:p>
             <a:r>
               <a:rPr lang="en-US" dirty="0"/>
-              <a:t>A Swordfish Solution</a:t>
-            </a:r>
-          </a:p>
-        </p:txBody>
-      </p:sp>
-      <p:sp>
-        <p:nvSpPr>
-          <p:cNvPr id="4" name="Rectangle 3"/>
-          <p:cNvSpPr/>
-          <p:nvPr/>
-        </p:nvSpPr>
-        <p:spPr>
-          <a:xfrm>
-            <a:off x="3018413" y="5519800"/>
-            <a:ext cx="914400" cy="914400"/>
-          </a:xfrm>
-          <a:prstGeom prst="rect">
-            <a:avLst/>
-          </a:prstGeom>
-        </p:spPr>
-        <p:style>
-          <a:lnRef idx="0">
-            <a:schemeClr val="accent1"/>
-          </a:lnRef>
-          <a:fillRef idx="3">
-            <a:schemeClr val="accent1"/>
-          </a:fillRef>
-          <a:effectRef idx="3">
-            <a:schemeClr val="accent1"/>
-          </a:effectRef>
-          <a:fontRef idx="minor">
-            <a:schemeClr val="lt1"/>
-          </a:fontRef>
-        </p:style>
-        <p:txBody>
-          <a:bodyPr rtlCol="0" anchor="b"/>
-          <a:lstStyle/>
-          <a:p>
-            <a:pPr algn="ctr"/>
+              <a:t>SNIA Swordfish</a:t>
+            </a:r>
+          </a:p>
+        </p:txBody>
+      </p:sp>
+      <p:sp>
+        <p:nvSpPr>
+          <p:cNvPr id="3" name="Content Placeholder 2">
+            <a:extLst>
+              <a:ext uri="{FF2B5EF4-FFF2-40B4-BE49-F238E27FC236}">
+                <a16:creationId xmlns:a16="http://schemas.microsoft.com/office/drawing/2014/main" id="{577ECE27-131D-444D-9BD0-39C0EDE1F495}"/>
+              </a:ext>
+            </a:extLst>
+          </p:cNvPr>
+          <p:cNvSpPr>
+            <a:spLocks noGrp="1"/>
+          </p:cNvSpPr>
+          <p:nvPr>
+            <p:ph idx="1"/>
+          </p:nvPr>
+        </p:nvSpPr>
+        <p:spPr>
+          <a:xfrm>
+            <a:off x="838199" y="1825625"/>
+            <a:ext cx="6690065" cy="4351338"/>
+          </a:xfrm>
+        </p:spPr>
+        <p:txBody>
+          <a:bodyPr>
+            <a:normAutofit/>
+          </a:bodyPr>
+          <a:lstStyle/>
+          <a:p>
             <a:r>
               <a:rPr lang="en-US" dirty="0"/>
-              <a:t>SA</a:t>
-            </a:r>
-            <a:r>
-              <a:rPr lang="en-US" baseline="-25000" dirty="0"/>
-              <a:t>v1</a:t>
-            </a:r>
-          </a:p>
-        </p:txBody>
-      </p:sp>
-      <p:cxnSp>
-        <p:nvCxnSpPr>
-          <p:cNvPr id="7" name="Straight Arrow Connector 6"/>
-          <p:cNvCxnSpPr>
-            <a:cxnSpLocks/>
-          </p:cNvCxnSpPr>
-          <p:nvPr/>
-        </p:nvCxnSpPr>
-        <p:spPr>
-          <a:xfrm flipV="1">
-            <a:off x="3475613" y="3776265"/>
-            <a:ext cx="0" cy="1743535"/>
-          </a:xfrm>
-          <a:prstGeom prst="straightConnector1">
-            <a:avLst/>
-          </a:prstGeom>
-          <a:ln>
-            <a:solidFill>
-              <a:srgbClr val="6037B1"/>
-            </a:solidFill>
-            <a:headEnd type="triangle"/>
-            <a:tailEnd type="triangle"/>
-          </a:ln>
-          <a:effectLst>
-            <a:outerShdw blurRad="50800" dist="38100" dir="2700000" algn="tl" rotWithShape="0">
-              <a:prstClr val="black">
-                <a:alpha val="40000"/>
-              </a:prstClr>
-            </a:outerShdw>
-          </a:effectLst>
-        </p:spPr>
-        <p:style>
-          <a:lnRef idx="3">
-            <a:schemeClr val="accent1"/>
-          </a:lnRef>
-          <a:fillRef idx="0">
-            <a:schemeClr val="accent1"/>
-          </a:fillRef>
-          <a:effectRef idx="2">
-            <a:schemeClr val="accent1"/>
-          </a:effectRef>
-          <a:fontRef idx="minor">
-            <a:schemeClr val="tx1"/>
-          </a:fontRef>
-        </p:style>
-      </p:cxnSp>
-      <p:sp>
-        <p:nvSpPr>
-          <p:cNvPr id="8" name="TextBox 7"/>
-          <p:cNvSpPr txBox="1"/>
-          <p:nvPr/>
-        </p:nvSpPr>
-        <p:spPr>
-          <a:xfrm>
-            <a:off x="3461747" y="5028670"/>
-            <a:ext cx="758541" cy="369332"/>
-          </a:xfrm>
-          <a:prstGeom prst="rect">
-            <a:avLst/>
-          </a:prstGeom>
-          <a:noFill/>
-        </p:spPr>
-        <p:txBody>
-          <a:bodyPr wrap="none" rtlCol="0">
-            <a:spAutoFit/>
-          </a:bodyPr>
-          <a:lstStyle/>
-          <a:p>
+              <a:t>Swordfish is more than a physical array storage service/management API</a:t>
+            </a:r>
+          </a:p>
+          <a:p>
+            <a:pPr lvl="1"/>
             <a:r>
               <a:rPr lang="en-US" dirty="0"/>
-              <a:t>SF API</a:t>
-            </a:r>
-            <a:endParaRPr lang="en-US" baseline="-25000" dirty="0"/>
-          </a:p>
-        </p:txBody>
-      </p:sp>
-      <p:sp>
-        <p:nvSpPr>
-          <p:cNvPr id="9" name="Rectangle 8"/>
-          <p:cNvSpPr/>
-          <p:nvPr/>
-        </p:nvSpPr>
-        <p:spPr>
-          <a:xfrm>
-            <a:off x="4512545" y="5519800"/>
-            <a:ext cx="914400" cy="914400"/>
-          </a:xfrm>
-          <a:prstGeom prst="rect">
-            <a:avLst/>
-          </a:prstGeom>
-        </p:spPr>
-        <p:style>
-          <a:lnRef idx="0">
-            <a:schemeClr val="accent2"/>
-          </a:lnRef>
-          <a:fillRef idx="3">
-            <a:schemeClr val="accent2"/>
-          </a:fillRef>
-          <a:effectRef idx="3">
-            <a:schemeClr val="accent2"/>
-          </a:effectRef>
-          <a:fontRef idx="minor">
-            <a:schemeClr val="lt1"/>
-          </a:fontRef>
-        </p:style>
-        <p:txBody>
-          <a:bodyPr rtlCol="0" anchor="b"/>
-          <a:lstStyle/>
-          <a:p>
-            <a:pPr algn="ctr"/>
+              <a:t>It can also be a unifying virtual storage service that is composed of other storage services</a:t>
+            </a:r>
+          </a:p>
+          <a:p>
+            <a:pPr lvl="1"/>
             <a:r>
               <a:rPr lang="en-US" dirty="0"/>
-              <a:t>SA</a:t>
-            </a:r>
-            <a:r>
-              <a:rPr lang="en-US" baseline="-25000" dirty="0"/>
-              <a:t>v2</a:t>
-            </a:r>
-          </a:p>
-        </p:txBody>
-      </p:sp>
-      <p:sp>
-        <p:nvSpPr>
-          <p:cNvPr id="14" name="Rectangle 13"/>
-          <p:cNvSpPr/>
-          <p:nvPr/>
-        </p:nvSpPr>
-        <p:spPr>
-          <a:xfrm>
-            <a:off x="5930048" y="5519800"/>
-            <a:ext cx="914400" cy="914400"/>
-          </a:xfrm>
-          <a:prstGeom prst="rect">
-            <a:avLst/>
-          </a:prstGeom>
-        </p:spPr>
-        <p:style>
-          <a:lnRef idx="0">
-            <a:schemeClr val="accent4"/>
-          </a:lnRef>
-          <a:fillRef idx="3">
-            <a:schemeClr val="accent4"/>
-          </a:fillRef>
-          <a:effectRef idx="3">
-            <a:schemeClr val="accent4"/>
-          </a:effectRef>
-          <a:fontRef idx="minor">
-            <a:schemeClr val="lt1"/>
-          </a:fontRef>
-        </p:style>
-        <p:txBody>
-          <a:bodyPr rtlCol="0" anchor="b"/>
-          <a:lstStyle/>
-          <a:p>
-            <a:pPr algn="ctr"/>
+              <a:t>This virtualization can hide the details of an ever growing storage tier</a:t>
+            </a:r>
+          </a:p>
+          <a:p>
+            <a:pPr lvl="1"/>
             <a:r>
               <a:rPr lang="en-US" dirty="0"/>
-              <a:t>SA</a:t>
-            </a:r>
-            <a:r>
-              <a:rPr lang="en-US" baseline="-25000" dirty="0"/>
-              <a:t>v3</a:t>
-            </a:r>
-          </a:p>
-        </p:txBody>
-      </p:sp>
-      <p:sp>
-        <p:nvSpPr>
-          <p:cNvPr id="19" name="Rectangle 18"/>
-          <p:cNvSpPr/>
-          <p:nvPr/>
-        </p:nvSpPr>
-        <p:spPr>
-          <a:xfrm>
-            <a:off x="8310641" y="5519800"/>
-            <a:ext cx="914400" cy="914400"/>
-          </a:xfrm>
-          <a:prstGeom prst="rect">
-            <a:avLst/>
-          </a:prstGeom>
-        </p:spPr>
-        <p:style>
-          <a:lnRef idx="0">
-            <a:schemeClr val="accent6"/>
-          </a:lnRef>
-          <a:fillRef idx="3">
-            <a:schemeClr val="accent6"/>
-          </a:fillRef>
-          <a:effectRef idx="3">
-            <a:schemeClr val="accent6"/>
-          </a:effectRef>
-          <a:fontRef idx="minor">
-            <a:schemeClr val="lt1"/>
-          </a:fontRef>
-        </p:style>
-        <p:txBody>
-          <a:bodyPr rtlCol="0" anchor="b"/>
-          <a:lstStyle/>
-          <a:p>
-            <a:pPr algn="ctr"/>
-            <a:r>
-              <a:rPr lang="en-US" dirty="0" err="1"/>
-              <a:t>SA</a:t>
-            </a:r>
-            <a:r>
-              <a:rPr lang="en-US" baseline="-25000" dirty="0" err="1"/>
-              <a:t>vN</a:t>
-            </a:r>
-            <a:endParaRPr lang="en-US" baseline="-25000" dirty="0"/>
-          </a:p>
-        </p:txBody>
-      </p:sp>
-      <p:cxnSp>
-        <p:nvCxnSpPr>
-          <p:cNvPr id="20" name="Straight Arrow Connector 19"/>
-          <p:cNvCxnSpPr/>
-          <p:nvPr/>
-        </p:nvCxnSpPr>
-        <p:spPr>
-          <a:xfrm flipV="1">
-            <a:off x="9051308" y="5040894"/>
-            <a:ext cx="1" cy="478906"/>
-          </a:xfrm>
-          <a:prstGeom prst="straightConnector1">
-            <a:avLst/>
-          </a:prstGeom>
-          <a:ln>
-            <a:headEnd type="triangle"/>
-            <a:tailEnd type="triangle"/>
-          </a:ln>
-          <a:effectLst>
-            <a:outerShdw blurRad="50800" dist="38100" dir="2700000" algn="tl" rotWithShape="0">
-              <a:prstClr val="black">
-                <a:alpha val="40000"/>
-              </a:prstClr>
-            </a:outerShdw>
-          </a:effectLst>
-        </p:spPr>
-        <p:style>
-          <a:lnRef idx="3">
-            <a:schemeClr val="accent6"/>
-          </a:lnRef>
-          <a:fillRef idx="0">
-            <a:schemeClr val="accent6"/>
-          </a:fillRef>
-          <a:effectRef idx="2">
-            <a:schemeClr val="accent6"/>
-          </a:effectRef>
-          <a:fontRef idx="minor">
-            <a:schemeClr val="tx1"/>
-          </a:fontRef>
-        </p:style>
-      </p:cxnSp>
-      <p:sp>
-        <p:nvSpPr>
-          <p:cNvPr id="21" name="TextBox 20"/>
-          <p:cNvSpPr txBox="1"/>
-          <p:nvPr/>
-        </p:nvSpPr>
-        <p:spPr>
-          <a:xfrm>
-            <a:off x="8979296" y="5074378"/>
-            <a:ext cx="990977" cy="369332"/>
-          </a:xfrm>
-          <a:prstGeom prst="rect">
-            <a:avLst/>
-          </a:prstGeom>
-          <a:noFill/>
-        </p:spPr>
-        <p:txBody>
-          <a:bodyPr wrap="none" rtlCol="0">
-            <a:spAutoFit/>
-          </a:bodyPr>
-          <a:lstStyle/>
-          <a:p>
-            <a:r>
-              <a:rPr lang="en-US" dirty="0" err="1"/>
-              <a:t>VMAPI</a:t>
-            </a:r>
-            <a:r>
-              <a:rPr lang="en-US" baseline="-25000" dirty="0" err="1"/>
-              <a:t>vN</a:t>
-            </a:r>
-            <a:endParaRPr lang="en-US" baseline="-25000" dirty="0"/>
-          </a:p>
-        </p:txBody>
-      </p:sp>
-      <p:cxnSp>
-        <p:nvCxnSpPr>
-          <p:cNvPr id="22" name="Straight Arrow Connector 21"/>
-          <p:cNvCxnSpPr/>
-          <p:nvPr/>
-        </p:nvCxnSpPr>
-        <p:spPr>
-          <a:xfrm flipV="1">
-            <a:off x="8471575" y="4784076"/>
-            <a:ext cx="0" cy="735724"/>
-          </a:xfrm>
-          <a:prstGeom prst="straightConnector1">
-            <a:avLst/>
-          </a:prstGeom>
-          <a:ln>
-            <a:headEnd type="triangle"/>
-            <a:tailEnd type="triangle"/>
-          </a:ln>
-          <a:effectLst>
-            <a:outerShdw blurRad="50800" dist="38100" dir="2700000" algn="tl" rotWithShape="0">
-              <a:prstClr val="black">
-                <a:alpha val="40000"/>
-              </a:prstClr>
-            </a:outerShdw>
-          </a:effectLst>
-        </p:spPr>
-        <p:style>
-          <a:lnRef idx="3">
-            <a:schemeClr val="accent6"/>
-          </a:lnRef>
-          <a:fillRef idx="0">
-            <a:schemeClr val="accent6"/>
-          </a:fillRef>
-          <a:effectRef idx="2">
-            <a:schemeClr val="accent6"/>
-          </a:effectRef>
-          <a:fontRef idx="minor">
-            <a:schemeClr val="tx1"/>
-          </a:fontRef>
-        </p:style>
-      </p:cxnSp>
-      <p:sp>
-        <p:nvSpPr>
-          <p:cNvPr id="23" name="TextBox 22"/>
-          <p:cNvSpPr txBox="1"/>
-          <p:nvPr/>
-        </p:nvSpPr>
-        <p:spPr>
-          <a:xfrm>
-            <a:off x="8471575" y="4688304"/>
-            <a:ext cx="965329" cy="369332"/>
-          </a:xfrm>
-          <a:prstGeom prst="rect">
-            <a:avLst/>
-          </a:prstGeom>
-          <a:noFill/>
-        </p:spPr>
-        <p:txBody>
-          <a:bodyPr wrap="none" rtlCol="0">
-            <a:spAutoFit/>
-          </a:bodyPr>
-          <a:lstStyle/>
-          <a:p>
-            <a:r>
-              <a:rPr lang="en-US" dirty="0" err="1"/>
-              <a:t>FMAPI</a:t>
-            </a:r>
-            <a:r>
-              <a:rPr lang="en-US" baseline="-25000" dirty="0" err="1"/>
-              <a:t>vN</a:t>
-            </a:r>
-            <a:endParaRPr lang="en-US" baseline="-25000" dirty="0"/>
-          </a:p>
-        </p:txBody>
-      </p:sp>
-      <p:sp>
-        <p:nvSpPr>
-          <p:cNvPr id="24" name="TextBox 23"/>
-          <p:cNvSpPr txBox="1"/>
-          <p:nvPr/>
-        </p:nvSpPr>
-        <p:spPr>
-          <a:xfrm>
-            <a:off x="7282100" y="5425207"/>
-            <a:ext cx="550151" cy="707886"/>
-          </a:xfrm>
-          <a:prstGeom prst="rect">
-            <a:avLst/>
-          </a:prstGeom>
-          <a:noFill/>
-        </p:spPr>
-        <p:txBody>
-          <a:bodyPr wrap="none" rtlCol="0">
-            <a:spAutoFit/>
-          </a:bodyPr>
-          <a:lstStyle/>
-          <a:p>
-            <a:r>
-              <a:rPr lang="en-US" sz="4000" b="1" dirty="0"/>
-              <a:t>…</a:t>
-            </a:r>
-          </a:p>
-        </p:txBody>
-      </p:sp>
-      <p:sp>
-        <p:nvSpPr>
-          <p:cNvPr id="25" name="Rectangle 24"/>
-          <p:cNvSpPr/>
-          <p:nvPr/>
-        </p:nvSpPr>
-        <p:spPr>
-          <a:xfrm>
-            <a:off x="1083468" y="1569362"/>
-            <a:ext cx="2286000" cy="914400"/>
-          </a:xfrm>
-          <a:prstGeom prst="rect">
-            <a:avLst/>
-          </a:prstGeom>
-        </p:spPr>
-        <p:style>
-          <a:lnRef idx="0">
-            <a:schemeClr val="accent5"/>
-          </a:lnRef>
-          <a:fillRef idx="3">
-            <a:schemeClr val="accent5"/>
-          </a:fillRef>
-          <a:effectRef idx="3">
-            <a:schemeClr val="accent5"/>
-          </a:effectRef>
-          <a:fontRef idx="minor">
-            <a:schemeClr val="lt1"/>
-          </a:fontRef>
-        </p:style>
-        <p:txBody>
-          <a:bodyPr rtlCol="0" anchor="ctr"/>
-          <a:lstStyle/>
-          <a:p>
-            <a:pPr algn="ctr"/>
-            <a:r>
-              <a:rPr lang="en-US" dirty="0" err="1"/>
-              <a:t>Kubernettes</a:t>
-            </a:r>
-            <a:endParaRPr lang="en-US" dirty="0"/>
-          </a:p>
-        </p:txBody>
-      </p:sp>
-      <p:sp>
-        <p:nvSpPr>
-          <p:cNvPr id="26" name="Rectangle 25"/>
-          <p:cNvSpPr/>
-          <p:nvPr/>
-        </p:nvSpPr>
-        <p:spPr>
-          <a:xfrm>
-            <a:off x="3555568" y="1573769"/>
-            <a:ext cx="2286000" cy="914400"/>
-          </a:xfrm>
-          <a:prstGeom prst="rect">
-            <a:avLst/>
-          </a:prstGeom>
-        </p:spPr>
-        <p:style>
-          <a:lnRef idx="0">
-            <a:schemeClr val="accent5"/>
-          </a:lnRef>
-          <a:fillRef idx="3">
-            <a:schemeClr val="accent5"/>
-          </a:fillRef>
-          <a:effectRef idx="3">
-            <a:schemeClr val="accent5"/>
-          </a:effectRef>
-          <a:fontRef idx="minor">
-            <a:schemeClr val="lt1"/>
-          </a:fontRef>
-        </p:style>
-        <p:txBody>
-          <a:bodyPr rtlCol="0" anchor="ctr"/>
-          <a:lstStyle/>
-          <a:p>
-            <a:pPr algn="ctr"/>
-            <a:r>
-              <a:rPr lang="en-US" dirty="0" err="1"/>
-              <a:t>Mesos</a:t>
-            </a:r>
-            <a:endParaRPr lang="en-US" dirty="0"/>
-          </a:p>
-        </p:txBody>
-      </p:sp>
-      <p:sp>
-        <p:nvSpPr>
-          <p:cNvPr id="27" name="Rectangle 26"/>
-          <p:cNvSpPr/>
-          <p:nvPr/>
-        </p:nvSpPr>
-        <p:spPr>
-          <a:xfrm>
-            <a:off x="6027668" y="1583498"/>
-            <a:ext cx="2286000" cy="914400"/>
-          </a:xfrm>
-          <a:prstGeom prst="rect">
-            <a:avLst/>
-          </a:prstGeom>
-        </p:spPr>
-        <p:style>
-          <a:lnRef idx="0">
-            <a:schemeClr val="accent5"/>
-          </a:lnRef>
-          <a:fillRef idx="3">
-            <a:schemeClr val="accent5"/>
-          </a:fillRef>
-          <a:effectRef idx="3">
-            <a:schemeClr val="accent5"/>
-          </a:effectRef>
-          <a:fontRef idx="minor">
-            <a:schemeClr val="lt1"/>
-          </a:fontRef>
-        </p:style>
-        <p:txBody>
-          <a:bodyPr rtlCol="0" anchor="ctr"/>
-          <a:lstStyle/>
-          <a:p>
-            <a:pPr algn="ctr"/>
-            <a:r>
-              <a:rPr lang="en-US" dirty="0" err="1"/>
-              <a:t>Docker</a:t>
-            </a:r>
-            <a:endParaRPr lang="en-US" dirty="0"/>
-          </a:p>
-        </p:txBody>
-      </p:sp>
-      <p:sp>
-        <p:nvSpPr>
-          <p:cNvPr id="28" name="Rectangle 27"/>
-          <p:cNvSpPr/>
-          <p:nvPr/>
-        </p:nvSpPr>
-        <p:spPr>
-          <a:xfrm>
-            <a:off x="8499768" y="1569362"/>
-            <a:ext cx="2286000" cy="914400"/>
-          </a:xfrm>
-          <a:prstGeom prst="rect">
-            <a:avLst/>
-          </a:prstGeom>
-        </p:spPr>
-        <p:style>
-          <a:lnRef idx="0">
-            <a:schemeClr val="accent5"/>
-          </a:lnRef>
-          <a:fillRef idx="3">
-            <a:schemeClr val="accent5"/>
-          </a:fillRef>
-          <a:effectRef idx="3">
-            <a:schemeClr val="accent5"/>
-          </a:effectRef>
-          <a:fontRef idx="minor">
-            <a:schemeClr val="lt1"/>
-          </a:fontRef>
-        </p:style>
-        <p:txBody>
-          <a:bodyPr rtlCol="0" anchor="ctr"/>
-          <a:lstStyle/>
-          <a:p>
-            <a:pPr algn="ctr"/>
-            <a:r>
-              <a:rPr lang="en-US" dirty="0" err="1"/>
-              <a:t>OpenStack</a:t>
-            </a:r>
-            <a:endParaRPr lang="en-US" dirty="0"/>
-          </a:p>
-          <a:p>
-            <a:pPr algn="ctr"/>
+              <a:t>One point of management</a:t>
+            </a:r>
+          </a:p>
+          <a:p>
+            <a:pPr lvl="2"/>
             <a:r>
               <a:rPr lang="en-US" dirty="0"/>
-              <a:t>Nova</a:t>
-            </a:r>
-          </a:p>
-        </p:txBody>
-      </p:sp>
-      <p:sp>
-        <p:nvSpPr>
-          <p:cNvPr id="64" name="Rectangle 63"/>
-          <p:cNvSpPr/>
-          <p:nvPr/>
-        </p:nvSpPr>
-        <p:spPr>
-          <a:xfrm>
-            <a:off x="2727297" y="3294385"/>
-            <a:ext cx="6989722" cy="457200"/>
-          </a:xfrm>
-          <a:prstGeom prst="rect">
-            <a:avLst/>
-          </a:prstGeom>
-          <a:solidFill>
-            <a:srgbClr val="6037B1"/>
-          </a:solidFill>
-        </p:spPr>
-        <p:style>
-          <a:lnRef idx="0">
-            <a:schemeClr val="accent3"/>
-          </a:lnRef>
-          <a:fillRef idx="3">
-            <a:schemeClr val="accent3"/>
-          </a:fillRef>
-          <a:effectRef idx="3">
-            <a:schemeClr val="accent3"/>
-          </a:effectRef>
-          <a:fontRef idx="minor">
-            <a:schemeClr val="lt1"/>
-          </a:fontRef>
-        </p:style>
-        <p:txBody>
-          <a:bodyPr wrap="none" lIns="0" tIns="0" rIns="0" bIns="0" rtlCol="0" anchor="ctr"/>
-          <a:lstStyle/>
-          <a:p>
-            <a:pPr algn="ctr"/>
-            <a:r>
-              <a:rPr lang="en-US" b="1" kern="0" dirty="0"/>
-              <a:t>SF SS</a:t>
-            </a:r>
-          </a:p>
-        </p:txBody>
-      </p:sp>
-      <p:sp>
-        <p:nvSpPr>
-          <p:cNvPr id="73" name="Rectangle 72"/>
-          <p:cNvSpPr/>
-          <p:nvPr/>
-        </p:nvSpPr>
-        <p:spPr>
-          <a:xfrm>
-            <a:off x="2079257" y="2392322"/>
-            <a:ext cx="182880" cy="182880"/>
-          </a:xfrm>
-          <a:prstGeom prst="rect">
-            <a:avLst/>
-          </a:prstGeom>
-          <a:solidFill>
-            <a:srgbClr val="C7A9F2"/>
-          </a:solidFill>
-        </p:spPr>
-        <p:style>
-          <a:lnRef idx="0">
-            <a:schemeClr val="accent3"/>
-          </a:lnRef>
-          <a:fillRef idx="3">
-            <a:schemeClr val="accent3"/>
-          </a:fillRef>
-          <a:effectRef idx="3">
-            <a:schemeClr val="accent3"/>
-          </a:effectRef>
-          <a:fontRef idx="minor">
-            <a:schemeClr val="lt1"/>
-          </a:fontRef>
-        </p:style>
-        <p:txBody>
-          <a:bodyPr wrap="none" tIns="0" rtlCol="0" anchor="t"/>
-          <a:lstStyle/>
-          <a:p>
-            <a:pPr algn="ctr"/>
-            <a:r>
-              <a:rPr lang="en-US" sz="1200" b="1" baseline="-25000" dirty="0"/>
-              <a:t>V</a:t>
-            </a:r>
-          </a:p>
-        </p:txBody>
-      </p:sp>
-      <p:sp>
-        <p:nvSpPr>
-          <p:cNvPr id="74" name="Rectangle 73"/>
-          <p:cNvSpPr/>
-          <p:nvPr/>
-        </p:nvSpPr>
-        <p:spPr>
-          <a:xfrm>
-            <a:off x="2331331" y="2392322"/>
-            <a:ext cx="182880" cy="182880"/>
-          </a:xfrm>
-          <a:prstGeom prst="rect">
-            <a:avLst/>
-          </a:prstGeom>
-          <a:solidFill>
-            <a:srgbClr val="C7A9F2"/>
-          </a:solidFill>
-        </p:spPr>
-        <p:style>
-          <a:lnRef idx="0">
-            <a:schemeClr val="accent3"/>
-          </a:lnRef>
-          <a:fillRef idx="3">
-            <a:schemeClr val="accent3"/>
-          </a:fillRef>
-          <a:effectRef idx="3">
-            <a:schemeClr val="accent3"/>
-          </a:effectRef>
-          <a:fontRef idx="minor">
-            <a:schemeClr val="lt1"/>
-          </a:fontRef>
-        </p:style>
-        <p:txBody>
-          <a:bodyPr wrap="none" tIns="0" rtlCol="0" anchor="t"/>
-          <a:lstStyle/>
-          <a:p>
-            <a:pPr algn="ctr"/>
-            <a:r>
-              <a:rPr lang="en-US" sz="1200" b="1" baseline="-25000" dirty="0"/>
-              <a:t>F</a:t>
-            </a:r>
-          </a:p>
-        </p:txBody>
-      </p:sp>
-      <p:sp>
-        <p:nvSpPr>
-          <p:cNvPr id="79" name="Rectangle 78"/>
-          <p:cNvSpPr/>
-          <p:nvPr/>
-        </p:nvSpPr>
-        <p:spPr>
-          <a:xfrm>
-            <a:off x="4565205" y="2382003"/>
-            <a:ext cx="182880" cy="182880"/>
-          </a:xfrm>
-          <a:prstGeom prst="rect">
-            <a:avLst/>
-          </a:prstGeom>
-          <a:solidFill>
-            <a:srgbClr val="C7A9F2"/>
-          </a:solidFill>
-        </p:spPr>
-        <p:style>
-          <a:lnRef idx="0">
-            <a:schemeClr val="accent3"/>
-          </a:lnRef>
-          <a:fillRef idx="3">
-            <a:schemeClr val="accent3"/>
-          </a:fillRef>
-          <a:effectRef idx="3">
-            <a:schemeClr val="accent3"/>
-          </a:effectRef>
-          <a:fontRef idx="minor">
-            <a:schemeClr val="lt1"/>
-          </a:fontRef>
-        </p:style>
-        <p:txBody>
-          <a:bodyPr wrap="none" tIns="0" rtlCol="0" anchor="t"/>
-          <a:lstStyle/>
-          <a:p>
-            <a:pPr algn="ctr"/>
-            <a:r>
-              <a:rPr lang="en-US" sz="1200" b="1" baseline="-25000" dirty="0"/>
-              <a:t>V</a:t>
-            </a:r>
-          </a:p>
-        </p:txBody>
-      </p:sp>
-      <p:sp>
-        <p:nvSpPr>
-          <p:cNvPr id="80" name="Rectangle 79"/>
-          <p:cNvSpPr/>
-          <p:nvPr/>
-        </p:nvSpPr>
-        <p:spPr>
-          <a:xfrm>
-            <a:off x="4817279" y="2382003"/>
-            <a:ext cx="182880" cy="182880"/>
-          </a:xfrm>
-          <a:prstGeom prst="rect">
-            <a:avLst/>
-          </a:prstGeom>
-          <a:solidFill>
-            <a:srgbClr val="C7A9F2"/>
-          </a:solidFill>
-        </p:spPr>
-        <p:style>
-          <a:lnRef idx="0">
-            <a:schemeClr val="accent3"/>
-          </a:lnRef>
-          <a:fillRef idx="3">
-            <a:schemeClr val="accent3"/>
-          </a:fillRef>
-          <a:effectRef idx="3">
-            <a:schemeClr val="accent3"/>
-          </a:effectRef>
-          <a:fontRef idx="minor">
-            <a:schemeClr val="lt1"/>
-          </a:fontRef>
-        </p:style>
-        <p:txBody>
-          <a:bodyPr wrap="none" tIns="0" rtlCol="0" anchor="t"/>
-          <a:lstStyle/>
-          <a:p>
-            <a:pPr algn="ctr"/>
-            <a:r>
-              <a:rPr lang="en-US" sz="1200" b="1" baseline="-25000" dirty="0"/>
-              <a:t>F</a:t>
-            </a:r>
-          </a:p>
-        </p:txBody>
-      </p:sp>
-      <p:sp>
-        <p:nvSpPr>
-          <p:cNvPr id="83" name="Rectangle 82"/>
-          <p:cNvSpPr/>
-          <p:nvPr/>
-        </p:nvSpPr>
-        <p:spPr>
-          <a:xfrm>
-            <a:off x="7043075" y="2392322"/>
-            <a:ext cx="182880" cy="182880"/>
-          </a:xfrm>
-          <a:prstGeom prst="rect">
-            <a:avLst/>
-          </a:prstGeom>
-          <a:solidFill>
-            <a:srgbClr val="C7A9F2"/>
-          </a:solidFill>
-        </p:spPr>
-        <p:style>
-          <a:lnRef idx="0">
-            <a:schemeClr val="accent3"/>
-          </a:lnRef>
-          <a:fillRef idx="3">
-            <a:schemeClr val="accent3"/>
-          </a:fillRef>
-          <a:effectRef idx="3">
-            <a:schemeClr val="accent3"/>
-          </a:effectRef>
-          <a:fontRef idx="minor">
-            <a:schemeClr val="lt1"/>
-          </a:fontRef>
-        </p:style>
-        <p:txBody>
-          <a:bodyPr wrap="none" tIns="0" rtlCol="0" anchor="t"/>
-          <a:lstStyle/>
-          <a:p>
-            <a:pPr algn="ctr"/>
-            <a:r>
-              <a:rPr lang="en-US" sz="1200" b="1" baseline="-25000" dirty="0"/>
-              <a:t>V</a:t>
-            </a:r>
-          </a:p>
-        </p:txBody>
-      </p:sp>
-      <p:sp>
-        <p:nvSpPr>
-          <p:cNvPr id="84" name="Rectangle 83"/>
-          <p:cNvSpPr/>
-          <p:nvPr/>
-        </p:nvSpPr>
-        <p:spPr>
-          <a:xfrm>
-            <a:off x="7295149" y="2392322"/>
-            <a:ext cx="182880" cy="182880"/>
-          </a:xfrm>
-          <a:prstGeom prst="rect">
-            <a:avLst/>
-          </a:prstGeom>
-          <a:solidFill>
-            <a:srgbClr val="C7A9F2"/>
-          </a:solidFill>
-        </p:spPr>
-        <p:style>
-          <a:lnRef idx="0">
-            <a:schemeClr val="accent3"/>
-          </a:lnRef>
-          <a:fillRef idx="3">
-            <a:schemeClr val="accent3"/>
-          </a:fillRef>
-          <a:effectRef idx="3">
-            <a:schemeClr val="accent3"/>
-          </a:effectRef>
-          <a:fontRef idx="minor">
-            <a:schemeClr val="lt1"/>
-          </a:fontRef>
-        </p:style>
-        <p:txBody>
-          <a:bodyPr wrap="none" tIns="0" rtlCol="0" anchor="t"/>
-          <a:lstStyle/>
-          <a:p>
-            <a:pPr algn="ctr"/>
-            <a:r>
-              <a:rPr lang="en-US" sz="1200" b="1" baseline="-25000" dirty="0"/>
-              <a:t>F</a:t>
-            </a:r>
-          </a:p>
-        </p:txBody>
-      </p:sp>
-      <p:sp>
-        <p:nvSpPr>
-          <p:cNvPr id="85" name="Rectangle 84"/>
-          <p:cNvSpPr/>
-          <p:nvPr/>
-        </p:nvSpPr>
-        <p:spPr>
-          <a:xfrm>
-            <a:off x="9469221" y="2392322"/>
-            <a:ext cx="182880" cy="182880"/>
-          </a:xfrm>
-          <a:prstGeom prst="rect">
-            <a:avLst/>
-          </a:prstGeom>
-          <a:solidFill>
-            <a:srgbClr val="C7A9F2"/>
-          </a:solidFill>
-        </p:spPr>
-        <p:style>
-          <a:lnRef idx="0">
-            <a:schemeClr val="accent3"/>
-          </a:lnRef>
-          <a:fillRef idx="3">
-            <a:schemeClr val="accent3"/>
-          </a:fillRef>
-          <a:effectRef idx="3">
-            <a:schemeClr val="accent3"/>
-          </a:effectRef>
-          <a:fontRef idx="minor">
-            <a:schemeClr val="lt1"/>
-          </a:fontRef>
-        </p:style>
-        <p:txBody>
-          <a:bodyPr wrap="none" tIns="0" rtlCol="0" anchor="t"/>
-          <a:lstStyle/>
-          <a:p>
-            <a:pPr algn="ctr"/>
-            <a:r>
-              <a:rPr lang="en-US" sz="1200" b="1" baseline="-25000" dirty="0"/>
-              <a:t>V</a:t>
-            </a:r>
-          </a:p>
-        </p:txBody>
-      </p:sp>
-      <p:sp>
-        <p:nvSpPr>
-          <p:cNvPr id="86" name="Rectangle 85"/>
-          <p:cNvSpPr/>
-          <p:nvPr/>
-        </p:nvSpPr>
-        <p:spPr>
-          <a:xfrm>
-            <a:off x="9721295" y="2392322"/>
-            <a:ext cx="182880" cy="182880"/>
-          </a:xfrm>
-          <a:prstGeom prst="rect">
-            <a:avLst/>
-          </a:prstGeom>
-          <a:solidFill>
-            <a:srgbClr val="C7A9F2"/>
-          </a:solidFill>
-        </p:spPr>
-        <p:style>
-          <a:lnRef idx="0">
-            <a:schemeClr val="accent3"/>
-          </a:lnRef>
-          <a:fillRef idx="3">
-            <a:schemeClr val="accent3"/>
-          </a:fillRef>
-          <a:effectRef idx="3">
-            <a:schemeClr val="accent3"/>
-          </a:effectRef>
-          <a:fontRef idx="minor">
-            <a:schemeClr val="lt1"/>
-          </a:fontRef>
-        </p:style>
-        <p:txBody>
-          <a:bodyPr wrap="none" tIns="0" rtlCol="0" anchor="t"/>
-          <a:lstStyle/>
-          <a:p>
-            <a:pPr algn="ctr"/>
-            <a:r>
-              <a:rPr lang="en-US" sz="1200" b="1" baseline="-25000" dirty="0"/>
-              <a:t>F</a:t>
+              <a:t>Standards based</a:t>
+            </a:r>
+          </a:p>
+          <a:p>
+            <a:pPr lvl="2"/>
+            <a:r>
+              <a:rPr lang="en-US" dirty="0"/>
+              <a:t>Will interoperate with Swordfish enabled management consoles</a:t>
             </a:r>
           </a:p>
         </p:txBody>
       </p:sp>
       <p:pic>
         <p:nvPicPr>
-          <p:cNvPr id="50" name="Picture 49">
+          <p:cNvPr id="4" name="Picture 3">
             <a:extLst>
               <a:ext uri="{FF2B5EF4-FFF2-40B4-BE49-F238E27FC236}">
-                <a16:creationId xmlns:a16="http://schemas.microsoft.com/office/drawing/2014/main" id="{43948C6C-CD53-4587-9306-BD8AF466C202}"/>
+                <a16:creationId xmlns:a16="http://schemas.microsoft.com/office/drawing/2014/main" id="{F07D8C3B-DF03-41DB-ADDB-7131EBEA3C9C}"/>
               </a:ext>
             </a:extLst>
           </p:cNvPr>
@@ -8418,1085 +7433,59 @@
         </p:blipFill>
         <p:spPr>
           <a:xfrm>
-            <a:off x="11036860" y="5708059"/>
-            <a:ext cx="802494" cy="850068"/>
+            <a:off x="7456976" y="438822"/>
+            <a:ext cx="4131286" cy="4376198"/>
           </a:xfrm>
           <a:prstGeom prst="rect">
             <a:avLst/>
           </a:prstGeom>
         </p:spPr>
       </p:pic>
-      <p:sp>
-        <p:nvSpPr>
-          <p:cNvPr id="51" name="TextBox 50">
+      <p:pic>
+        <p:nvPicPr>
+          <p:cNvPr id="5" name="Picture 4">
             <a:extLst>
               <a:ext uri="{FF2B5EF4-FFF2-40B4-BE49-F238E27FC236}">
-                <a16:creationId xmlns:a16="http://schemas.microsoft.com/office/drawing/2014/main" id="{9DE86F9C-988D-4C32-A372-AF1BB93D5D22}"/>
+                <a16:creationId xmlns:a16="http://schemas.microsoft.com/office/drawing/2014/main" id="{2046EEA3-E2D3-4174-9FF9-2F65EEC839C7}"/>
               </a:ext>
             </a:extLst>
           </p:cNvPr>
-          <p:cNvSpPr txBox="1"/>
-          <p:nvPr/>
-        </p:nvSpPr>
-        <p:spPr>
-          <a:xfrm>
-            <a:off x="304530" y="5625261"/>
-            <a:ext cx="2298899" cy="1015663"/>
-          </a:xfrm>
-          <a:prstGeom prst="rect">
-            <a:avLst/>
-          </a:prstGeom>
-          <a:solidFill>
-            <a:schemeClr val="bg1"/>
-          </a:solidFill>
-          <a:ln>
-            <a:solidFill>
-              <a:srgbClr val="000000"/>
-            </a:solidFill>
-          </a:ln>
-          <a:effectLst>
-            <a:outerShdw blurRad="50800" dist="38100" dir="2700000" algn="tl" rotWithShape="0">
-              <a:prstClr val="black">
-                <a:alpha val="40000"/>
-              </a:prstClr>
-            </a:outerShdw>
-          </a:effectLst>
-        </p:spPr>
-        <p:txBody>
-          <a:bodyPr wrap="none" rtlCol="0">
-            <a:spAutoFit/>
-          </a:bodyPr>
-          <a:lstStyle/>
-          <a:p>
-            <a:pPr algn="ctr"/>
-            <a:r>
-              <a:rPr lang="en-US" sz="1200" b="1" dirty="0"/>
-              <a:t>Key </a:t>
-            </a:r>
-          </a:p>
-          <a:p>
-            <a:r>
-              <a:rPr lang="en-US" sz="1200" b="1" dirty="0"/>
-              <a:t>SA = Storage Array</a:t>
-            </a:r>
-          </a:p>
-          <a:p>
-            <a:r>
-              <a:rPr lang="en-US" sz="1200" b="1" dirty="0"/>
-              <a:t>SAv1 = Storage Array Vendor 1</a:t>
-            </a:r>
-          </a:p>
-          <a:p>
-            <a:r>
-              <a:rPr lang="en-US" sz="1200" b="1" dirty="0"/>
-              <a:t>SFAPI = Swordfish REST API</a:t>
-            </a:r>
-          </a:p>
-          <a:p>
-            <a:r>
-              <a:rPr lang="en-US" sz="1200" b="1" dirty="0"/>
-              <a:t>SF SS = Swordfish Storage Service</a:t>
-            </a:r>
-          </a:p>
-        </p:txBody>
-      </p:sp>
-      <p:cxnSp>
-        <p:nvCxnSpPr>
-          <p:cNvPr id="52" name="Straight Arrow Connector 51">
-            <a:extLst>
-              <a:ext uri="{FF2B5EF4-FFF2-40B4-BE49-F238E27FC236}">
-                <a16:creationId xmlns:a16="http://schemas.microsoft.com/office/drawing/2014/main" id="{A004D797-158A-41F2-A58A-48FD562C6A4C}"/>
-              </a:ext>
-            </a:extLst>
-          </p:cNvPr>
-          <p:cNvCxnSpPr>
-            <a:cxnSpLocks/>
-            <a:stCxn id="64" idx="0"/>
-            <a:endCxn id="73" idx="2"/>
-          </p:cNvCxnSpPr>
-          <p:nvPr/>
-        </p:nvCxnSpPr>
-        <p:spPr>
-          <a:xfrm flipH="1" flipV="1">
-            <a:off x="2170697" y="2575202"/>
-            <a:ext cx="4051461" cy="719183"/>
-          </a:xfrm>
-          <a:prstGeom prst="straightConnector1">
-            <a:avLst/>
-          </a:prstGeom>
-          <a:ln>
-            <a:solidFill>
-              <a:srgbClr val="6037B1"/>
-            </a:solidFill>
-            <a:headEnd type="triangle"/>
-            <a:tailEnd type="triangle"/>
-          </a:ln>
-          <a:effectLst>
-            <a:outerShdw blurRad="50800" dist="38100" dir="2700000" algn="tl" rotWithShape="0">
-              <a:prstClr val="black">
-                <a:alpha val="40000"/>
-              </a:prstClr>
-            </a:outerShdw>
-          </a:effectLst>
-        </p:spPr>
-        <p:style>
-          <a:lnRef idx="3">
-            <a:schemeClr val="accent1"/>
-          </a:lnRef>
-          <a:fillRef idx="0">
-            <a:schemeClr val="accent1"/>
-          </a:fillRef>
-          <a:effectRef idx="2">
-            <a:schemeClr val="accent1"/>
-          </a:effectRef>
-          <a:fontRef idx="minor">
-            <a:schemeClr val="tx1"/>
-          </a:fontRef>
-        </p:style>
-      </p:cxnSp>
-      <p:sp>
-        <p:nvSpPr>
-          <p:cNvPr id="53" name="TextBox 52">
-            <a:extLst>
-              <a:ext uri="{FF2B5EF4-FFF2-40B4-BE49-F238E27FC236}">
-                <a16:creationId xmlns:a16="http://schemas.microsoft.com/office/drawing/2014/main" id="{979AD9D9-17EF-4644-8273-AE95A3E69EF0}"/>
-              </a:ext>
-            </a:extLst>
-          </p:cNvPr>
-          <p:cNvSpPr txBox="1"/>
-          <p:nvPr/>
-        </p:nvSpPr>
-        <p:spPr>
-          <a:xfrm>
-            <a:off x="5896289" y="2853026"/>
-            <a:ext cx="758541" cy="369332"/>
-          </a:xfrm>
-          <a:prstGeom prst="rect">
-            <a:avLst/>
-          </a:prstGeom>
-          <a:noFill/>
-        </p:spPr>
-        <p:txBody>
-          <a:bodyPr wrap="none" rtlCol="0">
-            <a:spAutoFit/>
-          </a:bodyPr>
-          <a:lstStyle/>
-          <a:p>
-            <a:r>
-              <a:rPr lang="en-US" dirty="0"/>
-              <a:t>SF API</a:t>
-            </a:r>
-            <a:endParaRPr lang="en-US" baseline="-25000" dirty="0"/>
-          </a:p>
-        </p:txBody>
-      </p:sp>
-      <p:sp>
-        <p:nvSpPr>
-          <p:cNvPr id="63" name="Rectangle 62">
-            <a:extLst>
-              <a:ext uri="{FF2B5EF4-FFF2-40B4-BE49-F238E27FC236}">
-                <a16:creationId xmlns:a16="http://schemas.microsoft.com/office/drawing/2014/main" id="{786EC69F-3F74-4DC5-B2CB-D8ACDDC0EA68}"/>
-              </a:ext>
-            </a:extLst>
-          </p:cNvPr>
-          <p:cNvSpPr/>
-          <p:nvPr/>
-        </p:nvSpPr>
-        <p:spPr>
-          <a:xfrm>
-            <a:off x="3155573" y="5519800"/>
-            <a:ext cx="640080" cy="365760"/>
-          </a:xfrm>
-          <a:prstGeom prst="rect">
-            <a:avLst/>
-          </a:prstGeom>
-          <a:solidFill>
-            <a:srgbClr val="6037B1"/>
-          </a:solidFill>
-        </p:spPr>
-        <p:style>
-          <a:lnRef idx="0">
-            <a:schemeClr val="accent3"/>
-          </a:lnRef>
-          <a:fillRef idx="3">
-            <a:schemeClr val="accent3"/>
-          </a:fillRef>
-          <a:effectRef idx="3">
-            <a:schemeClr val="accent3"/>
-          </a:effectRef>
-          <a:fontRef idx="minor">
-            <a:schemeClr val="lt1"/>
-          </a:fontRef>
-        </p:style>
-        <p:txBody>
-          <a:bodyPr wrap="none" lIns="0" tIns="0" rIns="0" bIns="0" rtlCol="0" anchor="ctr"/>
-          <a:lstStyle/>
-          <a:p>
-            <a:pPr algn="ctr"/>
-            <a:r>
-              <a:rPr lang="en-US" b="1" kern="0" dirty="0"/>
-              <a:t>SF SS</a:t>
-            </a:r>
-          </a:p>
-        </p:txBody>
-      </p:sp>
-      <p:sp>
-        <p:nvSpPr>
-          <p:cNvPr id="81" name="Rectangle 80">
-            <a:extLst>
-              <a:ext uri="{FF2B5EF4-FFF2-40B4-BE49-F238E27FC236}">
-                <a16:creationId xmlns:a16="http://schemas.microsoft.com/office/drawing/2014/main" id="{BB49793D-4E52-430C-B1EB-24E80118E426}"/>
-              </a:ext>
-            </a:extLst>
-          </p:cNvPr>
-          <p:cNvSpPr/>
-          <p:nvPr/>
-        </p:nvSpPr>
-        <p:spPr>
-          <a:xfrm>
-            <a:off x="8385739" y="4087951"/>
-            <a:ext cx="640080" cy="365760"/>
-          </a:xfrm>
-          <a:prstGeom prst="rect">
-            <a:avLst/>
-          </a:prstGeom>
-          <a:solidFill>
-            <a:srgbClr val="6037B1"/>
-          </a:solidFill>
-        </p:spPr>
-        <p:style>
-          <a:lnRef idx="0">
-            <a:schemeClr val="accent3"/>
-          </a:lnRef>
-          <a:fillRef idx="3">
-            <a:schemeClr val="accent3"/>
-          </a:fillRef>
-          <a:effectRef idx="3">
-            <a:schemeClr val="accent3"/>
-          </a:effectRef>
-          <a:fontRef idx="minor">
-            <a:schemeClr val="lt1"/>
-          </a:fontRef>
-        </p:style>
-        <p:txBody>
-          <a:bodyPr wrap="none" lIns="0" tIns="0" rIns="0" bIns="0" rtlCol="0" anchor="ctr"/>
-          <a:lstStyle/>
-          <a:p>
-            <a:pPr algn="ctr"/>
-            <a:r>
-              <a:rPr lang="en-US" b="1" kern="0" dirty="0"/>
-              <a:t>SF SS</a:t>
-            </a:r>
-          </a:p>
-        </p:txBody>
-      </p:sp>
-      <p:sp>
-        <p:nvSpPr>
-          <p:cNvPr id="61" name="Rectangle 60">
-            <a:extLst>
-              <a:ext uri="{FF2B5EF4-FFF2-40B4-BE49-F238E27FC236}">
-                <a16:creationId xmlns:a16="http://schemas.microsoft.com/office/drawing/2014/main" id="{63118B24-DFEC-469F-A110-0C78D0638EB9}"/>
-              </a:ext>
-            </a:extLst>
-          </p:cNvPr>
-          <p:cNvSpPr/>
-          <p:nvPr/>
-        </p:nvSpPr>
-        <p:spPr>
-          <a:xfrm>
-            <a:off x="8471882" y="4402673"/>
-            <a:ext cx="182880" cy="182880"/>
-          </a:xfrm>
-          <a:prstGeom prst="rect">
-            <a:avLst/>
-          </a:prstGeom>
-        </p:spPr>
-        <p:style>
-          <a:lnRef idx="0">
-            <a:schemeClr val="accent6"/>
-          </a:lnRef>
-          <a:fillRef idx="3">
-            <a:schemeClr val="accent6"/>
-          </a:fillRef>
-          <a:effectRef idx="3">
-            <a:schemeClr val="accent6"/>
-          </a:effectRef>
-          <a:fontRef idx="minor">
-            <a:schemeClr val="lt1"/>
-          </a:fontRef>
-        </p:style>
-        <p:txBody>
-          <a:bodyPr wrap="none" tIns="0" rtlCol="0" anchor="t"/>
-          <a:lstStyle/>
-          <a:p>
-            <a:pPr algn="ctr"/>
-            <a:r>
-              <a:rPr lang="en-US" sz="1200" b="1" baseline="-25000" dirty="0"/>
-              <a:t>V</a:t>
-            </a:r>
-          </a:p>
-        </p:txBody>
-      </p:sp>
-      <p:sp>
-        <p:nvSpPr>
-          <p:cNvPr id="62" name="Rectangle 61">
-            <a:extLst>
-              <a:ext uri="{FF2B5EF4-FFF2-40B4-BE49-F238E27FC236}">
-                <a16:creationId xmlns:a16="http://schemas.microsoft.com/office/drawing/2014/main" id="{4B2CA18D-2BB9-4E3F-848A-9AAADDA67C42}"/>
-              </a:ext>
-            </a:extLst>
-          </p:cNvPr>
-          <p:cNvSpPr/>
-          <p:nvPr/>
-        </p:nvSpPr>
-        <p:spPr>
-          <a:xfrm>
-            <a:off x="8723956" y="4402673"/>
-            <a:ext cx="182880" cy="182880"/>
-          </a:xfrm>
-          <a:prstGeom prst="rect">
-            <a:avLst/>
-          </a:prstGeom>
-        </p:spPr>
-        <p:style>
-          <a:lnRef idx="0">
-            <a:schemeClr val="accent6"/>
-          </a:lnRef>
-          <a:fillRef idx="3">
-            <a:schemeClr val="accent6"/>
-          </a:fillRef>
-          <a:effectRef idx="3">
-            <a:schemeClr val="accent6"/>
-          </a:effectRef>
-          <a:fontRef idx="minor">
-            <a:schemeClr val="lt1"/>
-          </a:fontRef>
-        </p:style>
-        <p:txBody>
-          <a:bodyPr wrap="none" tIns="0" rtlCol="0" anchor="t"/>
-          <a:lstStyle/>
-          <a:p>
-            <a:pPr algn="ctr"/>
-            <a:r>
-              <a:rPr lang="en-US" sz="1200" b="1" baseline="-25000" dirty="0"/>
-              <a:t>F</a:t>
-            </a:r>
-          </a:p>
-        </p:txBody>
-      </p:sp>
-      <p:sp>
-        <p:nvSpPr>
-          <p:cNvPr id="82" name="Rectangle 81">
-            <a:extLst>
-              <a:ext uri="{FF2B5EF4-FFF2-40B4-BE49-F238E27FC236}">
-                <a16:creationId xmlns:a16="http://schemas.microsoft.com/office/drawing/2014/main" id="{86BA460F-D5BE-461F-9684-59D30992580E}"/>
-              </a:ext>
-            </a:extLst>
-          </p:cNvPr>
-          <p:cNvSpPr/>
-          <p:nvPr/>
-        </p:nvSpPr>
-        <p:spPr>
-          <a:xfrm>
-            <a:off x="4658788" y="5519800"/>
-            <a:ext cx="640080" cy="365760"/>
-          </a:xfrm>
-          <a:prstGeom prst="rect">
-            <a:avLst/>
-          </a:prstGeom>
-          <a:solidFill>
-            <a:srgbClr val="6037B1"/>
-          </a:solidFill>
-        </p:spPr>
-        <p:style>
-          <a:lnRef idx="0">
-            <a:schemeClr val="accent3"/>
-          </a:lnRef>
-          <a:fillRef idx="3">
-            <a:schemeClr val="accent3"/>
-          </a:fillRef>
-          <a:effectRef idx="3">
-            <a:schemeClr val="accent3"/>
-          </a:effectRef>
-          <a:fontRef idx="minor">
-            <a:schemeClr val="lt1"/>
-          </a:fontRef>
-        </p:style>
-        <p:txBody>
-          <a:bodyPr wrap="none" lIns="0" tIns="0" rIns="0" bIns="0" rtlCol="0" anchor="ctr"/>
-          <a:lstStyle/>
-          <a:p>
-            <a:pPr algn="ctr"/>
-            <a:r>
-              <a:rPr lang="en-US" b="1" kern="0" dirty="0"/>
-              <a:t>SF SS</a:t>
-            </a:r>
-          </a:p>
-        </p:txBody>
-      </p:sp>
-      <p:cxnSp>
-        <p:nvCxnSpPr>
-          <p:cNvPr id="87" name="Straight Arrow Connector 86">
-            <a:extLst>
-              <a:ext uri="{FF2B5EF4-FFF2-40B4-BE49-F238E27FC236}">
-                <a16:creationId xmlns:a16="http://schemas.microsoft.com/office/drawing/2014/main" id="{9A9856B4-A081-4DAC-9F55-50373545E08F}"/>
-              </a:ext>
-            </a:extLst>
-          </p:cNvPr>
-          <p:cNvCxnSpPr>
-            <a:cxnSpLocks/>
-            <a:stCxn id="82" idx="0"/>
-          </p:cNvCxnSpPr>
-          <p:nvPr/>
-        </p:nvCxnSpPr>
-        <p:spPr>
-          <a:xfrm flipV="1">
-            <a:off x="4978828" y="3776265"/>
-            <a:ext cx="15346" cy="1743535"/>
-          </a:xfrm>
-          <a:prstGeom prst="straightConnector1">
-            <a:avLst/>
-          </a:prstGeom>
-          <a:ln>
-            <a:solidFill>
-              <a:srgbClr val="6037B1"/>
-            </a:solidFill>
-            <a:headEnd type="triangle"/>
-            <a:tailEnd type="triangle"/>
-          </a:ln>
-          <a:effectLst>
-            <a:outerShdw blurRad="50800" dist="38100" dir="2700000" algn="tl" rotWithShape="0">
-              <a:prstClr val="black">
-                <a:alpha val="40000"/>
-              </a:prstClr>
-            </a:outerShdw>
-          </a:effectLst>
-        </p:spPr>
-        <p:style>
-          <a:lnRef idx="3">
-            <a:schemeClr val="accent1"/>
-          </a:lnRef>
-          <a:fillRef idx="0">
-            <a:schemeClr val="accent1"/>
-          </a:fillRef>
-          <a:effectRef idx="2">
-            <a:schemeClr val="accent1"/>
-          </a:effectRef>
-          <a:fontRef idx="minor">
-            <a:schemeClr val="tx1"/>
-          </a:fontRef>
-        </p:style>
-      </p:cxnSp>
-      <p:sp>
-        <p:nvSpPr>
-          <p:cNvPr id="88" name="TextBox 87">
-            <a:extLst>
-              <a:ext uri="{FF2B5EF4-FFF2-40B4-BE49-F238E27FC236}">
-                <a16:creationId xmlns:a16="http://schemas.microsoft.com/office/drawing/2014/main" id="{0781F699-8589-4E54-B990-273444D199F7}"/>
-              </a:ext>
-            </a:extLst>
-          </p:cNvPr>
-          <p:cNvSpPr txBox="1"/>
-          <p:nvPr/>
-        </p:nvSpPr>
-        <p:spPr>
-          <a:xfrm>
-            <a:off x="4952167" y="5017380"/>
-            <a:ext cx="758541" cy="369332"/>
-          </a:xfrm>
-          <a:prstGeom prst="rect">
-            <a:avLst/>
-          </a:prstGeom>
-          <a:noFill/>
-        </p:spPr>
-        <p:txBody>
-          <a:bodyPr wrap="none" rtlCol="0">
-            <a:spAutoFit/>
-          </a:bodyPr>
-          <a:lstStyle/>
-          <a:p>
-            <a:r>
-              <a:rPr lang="en-US" dirty="0"/>
-              <a:t>SF API</a:t>
-            </a:r>
-            <a:endParaRPr lang="en-US" baseline="-25000" dirty="0"/>
-          </a:p>
-        </p:txBody>
-      </p:sp>
-      <p:sp>
-        <p:nvSpPr>
-          <p:cNvPr id="92" name="Rectangle 91">
-            <a:extLst>
-              <a:ext uri="{FF2B5EF4-FFF2-40B4-BE49-F238E27FC236}">
-                <a16:creationId xmlns:a16="http://schemas.microsoft.com/office/drawing/2014/main" id="{00937914-4C0B-45F7-9F82-59E2C2F6064F}"/>
-              </a:ext>
-            </a:extLst>
-          </p:cNvPr>
-          <p:cNvSpPr/>
-          <p:nvPr/>
-        </p:nvSpPr>
-        <p:spPr>
-          <a:xfrm>
-            <a:off x="6060225" y="5523206"/>
-            <a:ext cx="640080" cy="365760"/>
-          </a:xfrm>
-          <a:prstGeom prst="rect">
-            <a:avLst/>
-          </a:prstGeom>
-          <a:solidFill>
-            <a:srgbClr val="6037B1"/>
-          </a:solidFill>
-        </p:spPr>
-        <p:style>
-          <a:lnRef idx="0">
-            <a:schemeClr val="accent3"/>
-          </a:lnRef>
-          <a:fillRef idx="3">
-            <a:schemeClr val="accent3"/>
-          </a:fillRef>
-          <a:effectRef idx="3">
-            <a:schemeClr val="accent3"/>
-          </a:effectRef>
-          <a:fontRef idx="minor">
-            <a:schemeClr val="lt1"/>
-          </a:fontRef>
-        </p:style>
-        <p:txBody>
-          <a:bodyPr wrap="none" lIns="0" tIns="0" rIns="0" bIns="0" rtlCol="0" anchor="ctr"/>
-          <a:lstStyle/>
-          <a:p>
-            <a:pPr algn="ctr"/>
-            <a:r>
-              <a:rPr lang="en-US" b="1" kern="0" dirty="0"/>
-              <a:t>SF SS</a:t>
-            </a:r>
-          </a:p>
-        </p:txBody>
-      </p:sp>
-      <p:cxnSp>
-        <p:nvCxnSpPr>
-          <p:cNvPr id="93" name="Straight Arrow Connector 92">
-            <a:extLst>
-              <a:ext uri="{FF2B5EF4-FFF2-40B4-BE49-F238E27FC236}">
-                <a16:creationId xmlns:a16="http://schemas.microsoft.com/office/drawing/2014/main" id="{A9761BC3-59E4-4E3C-AFB4-E253B9B94944}"/>
-              </a:ext>
-            </a:extLst>
-          </p:cNvPr>
-          <p:cNvCxnSpPr>
-            <a:cxnSpLocks/>
-            <a:stCxn id="92" idx="0"/>
-          </p:cNvCxnSpPr>
-          <p:nvPr/>
-        </p:nvCxnSpPr>
-        <p:spPr>
-          <a:xfrm flipV="1">
-            <a:off x="6380265" y="3779671"/>
-            <a:ext cx="0" cy="1743535"/>
-          </a:xfrm>
-          <a:prstGeom prst="straightConnector1">
-            <a:avLst/>
-          </a:prstGeom>
-          <a:ln>
-            <a:solidFill>
-              <a:srgbClr val="6037B1"/>
-            </a:solidFill>
-            <a:headEnd type="triangle"/>
-            <a:tailEnd type="triangle"/>
-          </a:ln>
-          <a:effectLst>
-            <a:outerShdw blurRad="50800" dist="38100" dir="2700000" algn="tl" rotWithShape="0">
-              <a:prstClr val="black">
-                <a:alpha val="40000"/>
-              </a:prstClr>
-            </a:outerShdw>
-          </a:effectLst>
-        </p:spPr>
-        <p:style>
-          <a:lnRef idx="3">
-            <a:schemeClr val="accent1"/>
-          </a:lnRef>
-          <a:fillRef idx="0">
-            <a:schemeClr val="accent1"/>
-          </a:fillRef>
-          <a:effectRef idx="2">
-            <a:schemeClr val="accent1"/>
-          </a:effectRef>
-          <a:fontRef idx="minor">
-            <a:schemeClr val="tx1"/>
-          </a:fontRef>
-        </p:style>
-      </p:cxnSp>
-      <p:sp>
-        <p:nvSpPr>
-          <p:cNvPr id="94" name="TextBox 93">
-            <a:extLst>
-              <a:ext uri="{FF2B5EF4-FFF2-40B4-BE49-F238E27FC236}">
-                <a16:creationId xmlns:a16="http://schemas.microsoft.com/office/drawing/2014/main" id="{84006C34-33E9-4947-B672-3BF7B6860B67}"/>
-              </a:ext>
-            </a:extLst>
-          </p:cNvPr>
-          <p:cNvSpPr txBox="1"/>
-          <p:nvPr/>
-        </p:nvSpPr>
-        <p:spPr>
-          <a:xfrm>
-            <a:off x="6353604" y="5020786"/>
-            <a:ext cx="758541" cy="369332"/>
-          </a:xfrm>
-          <a:prstGeom prst="rect">
-            <a:avLst/>
-          </a:prstGeom>
-          <a:noFill/>
-        </p:spPr>
-        <p:txBody>
-          <a:bodyPr wrap="none" rtlCol="0">
-            <a:spAutoFit/>
-          </a:bodyPr>
-          <a:lstStyle/>
-          <a:p>
-            <a:r>
-              <a:rPr lang="en-US" dirty="0"/>
-              <a:t>SF API</a:t>
-            </a:r>
-            <a:endParaRPr lang="en-US" baseline="-25000" dirty="0"/>
-          </a:p>
-        </p:txBody>
-      </p:sp>
-      <p:cxnSp>
-        <p:nvCxnSpPr>
-          <p:cNvPr id="95" name="Straight Arrow Connector 94">
-            <a:extLst>
-              <a:ext uri="{FF2B5EF4-FFF2-40B4-BE49-F238E27FC236}">
-                <a16:creationId xmlns:a16="http://schemas.microsoft.com/office/drawing/2014/main" id="{7FBF8ED7-E7B0-4F6A-807E-947D899FB62C}"/>
-              </a:ext>
-            </a:extLst>
-          </p:cNvPr>
-          <p:cNvCxnSpPr>
-            <a:cxnSpLocks/>
-            <a:stCxn id="81" idx="0"/>
-          </p:cNvCxnSpPr>
-          <p:nvPr/>
-        </p:nvCxnSpPr>
-        <p:spPr>
-          <a:xfrm flipV="1">
-            <a:off x="8705779" y="3776265"/>
-            <a:ext cx="0" cy="311686"/>
-          </a:xfrm>
-          <a:prstGeom prst="straightConnector1">
-            <a:avLst/>
-          </a:prstGeom>
-          <a:ln>
-            <a:solidFill>
-              <a:srgbClr val="6037B1"/>
-            </a:solidFill>
-            <a:headEnd type="triangle"/>
-            <a:tailEnd type="triangle"/>
-          </a:ln>
-          <a:effectLst>
-            <a:outerShdw blurRad="50800" dist="38100" dir="2700000" algn="tl" rotWithShape="0">
-              <a:prstClr val="black">
-                <a:alpha val="40000"/>
-              </a:prstClr>
-            </a:outerShdw>
-          </a:effectLst>
-        </p:spPr>
-        <p:style>
-          <a:lnRef idx="3">
-            <a:schemeClr val="accent1"/>
-          </a:lnRef>
-          <a:fillRef idx="0">
-            <a:schemeClr val="accent1"/>
-          </a:fillRef>
-          <a:effectRef idx="2">
-            <a:schemeClr val="accent1"/>
-          </a:effectRef>
-          <a:fontRef idx="minor">
-            <a:schemeClr val="tx1"/>
-          </a:fontRef>
-        </p:style>
-      </p:cxnSp>
-      <p:cxnSp>
-        <p:nvCxnSpPr>
-          <p:cNvPr id="96" name="Straight Arrow Connector 95">
-            <a:extLst>
-              <a:ext uri="{FF2B5EF4-FFF2-40B4-BE49-F238E27FC236}">
-                <a16:creationId xmlns:a16="http://schemas.microsoft.com/office/drawing/2014/main" id="{4A5663D4-3091-4B37-9120-249C59DA5B1A}"/>
-              </a:ext>
-            </a:extLst>
-          </p:cNvPr>
-          <p:cNvCxnSpPr>
-            <a:cxnSpLocks/>
-            <a:stCxn id="64" idx="0"/>
-            <a:endCxn id="74" idx="2"/>
-          </p:cNvCxnSpPr>
-          <p:nvPr/>
-        </p:nvCxnSpPr>
-        <p:spPr>
-          <a:xfrm flipH="1" flipV="1">
-            <a:off x="2422771" y="2575202"/>
-            <a:ext cx="3799387" cy="719183"/>
-          </a:xfrm>
-          <a:prstGeom prst="straightConnector1">
-            <a:avLst/>
-          </a:prstGeom>
-          <a:ln>
-            <a:solidFill>
-              <a:srgbClr val="6037B1"/>
-            </a:solidFill>
-            <a:headEnd type="triangle"/>
-            <a:tailEnd type="triangle"/>
-          </a:ln>
-          <a:effectLst>
-            <a:outerShdw blurRad="50800" dist="38100" dir="2700000" algn="tl" rotWithShape="0">
-              <a:prstClr val="black">
-                <a:alpha val="40000"/>
-              </a:prstClr>
-            </a:outerShdw>
-          </a:effectLst>
-        </p:spPr>
-        <p:style>
-          <a:lnRef idx="3">
-            <a:schemeClr val="accent1"/>
-          </a:lnRef>
-          <a:fillRef idx="0">
-            <a:schemeClr val="accent1"/>
-          </a:fillRef>
-          <a:effectRef idx="2">
-            <a:schemeClr val="accent1"/>
-          </a:effectRef>
-          <a:fontRef idx="minor">
-            <a:schemeClr val="tx1"/>
-          </a:fontRef>
-        </p:style>
-      </p:cxnSp>
-      <p:cxnSp>
-        <p:nvCxnSpPr>
-          <p:cNvPr id="97" name="Straight Arrow Connector 96">
-            <a:extLst>
-              <a:ext uri="{FF2B5EF4-FFF2-40B4-BE49-F238E27FC236}">
-                <a16:creationId xmlns:a16="http://schemas.microsoft.com/office/drawing/2014/main" id="{C11D7CC0-D14B-400C-AC9D-CE671E9621F8}"/>
-              </a:ext>
-            </a:extLst>
-          </p:cNvPr>
-          <p:cNvCxnSpPr>
-            <a:cxnSpLocks/>
-            <a:stCxn id="64" idx="0"/>
-            <a:endCxn id="79" idx="2"/>
-          </p:cNvCxnSpPr>
-          <p:nvPr/>
-        </p:nvCxnSpPr>
-        <p:spPr>
-          <a:xfrm flipH="1" flipV="1">
-            <a:off x="4656645" y="2564883"/>
-            <a:ext cx="1565513" cy="729502"/>
-          </a:xfrm>
-          <a:prstGeom prst="straightConnector1">
-            <a:avLst/>
-          </a:prstGeom>
-          <a:ln>
-            <a:solidFill>
-              <a:srgbClr val="6037B1"/>
-            </a:solidFill>
-            <a:headEnd type="triangle"/>
-            <a:tailEnd type="triangle"/>
-          </a:ln>
-          <a:effectLst>
-            <a:outerShdw blurRad="50800" dist="38100" dir="2700000" algn="tl" rotWithShape="0">
-              <a:prstClr val="black">
-                <a:alpha val="40000"/>
-              </a:prstClr>
-            </a:outerShdw>
-          </a:effectLst>
-        </p:spPr>
-        <p:style>
-          <a:lnRef idx="3">
-            <a:schemeClr val="accent1"/>
-          </a:lnRef>
-          <a:fillRef idx="0">
-            <a:schemeClr val="accent1"/>
-          </a:fillRef>
-          <a:effectRef idx="2">
-            <a:schemeClr val="accent1"/>
-          </a:effectRef>
-          <a:fontRef idx="minor">
-            <a:schemeClr val="tx1"/>
-          </a:fontRef>
-        </p:style>
-      </p:cxnSp>
-      <p:cxnSp>
-        <p:nvCxnSpPr>
-          <p:cNvPr id="98" name="Straight Arrow Connector 97">
-            <a:extLst>
-              <a:ext uri="{FF2B5EF4-FFF2-40B4-BE49-F238E27FC236}">
-                <a16:creationId xmlns:a16="http://schemas.microsoft.com/office/drawing/2014/main" id="{A4B8F247-D9CC-4485-8A4D-65E2EF8C1B6A}"/>
-              </a:ext>
-            </a:extLst>
-          </p:cNvPr>
-          <p:cNvCxnSpPr>
-            <a:cxnSpLocks/>
-            <a:stCxn id="64" idx="0"/>
-            <a:endCxn id="80" idx="2"/>
-          </p:cNvCxnSpPr>
-          <p:nvPr/>
-        </p:nvCxnSpPr>
-        <p:spPr>
-          <a:xfrm flipH="1" flipV="1">
-            <a:off x="4908719" y="2564883"/>
-            <a:ext cx="1313439" cy="729502"/>
-          </a:xfrm>
-          <a:prstGeom prst="straightConnector1">
-            <a:avLst/>
-          </a:prstGeom>
-          <a:ln>
-            <a:solidFill>
-              <a:srgbClr val="6037B1"/>
-            </a:solidFill>
-            <a:headEnd type="triangle"/>
-            <a:tailEnd type="triangle"/>
-          </a:ln>
-          <a:effectLst>
-            <a:outerShdw blurRad="50800" dist="38100" dir="2700000" algn="tl" rotWithShape="0">
-              <a:prstClr val="black">
-                <a:alpha val="40000"/>
-              </a:prstClr>
-            </a:outerShdw>
-          </a:effectLst>
-        </p:spPr>
-        <p:style>
-          <a:lnRef idx="3">
-            <a:schemeClr val="accent1"/>
-          </a:lnRef>
-          <a:fillRef idx="0">
-            <a:schemeClr val="accent1"/>
-          </a:fillRef>
-          <a:effectRef idx="2">
-            <a:schemeClr val="accent1"/>
-          </a:effectRef>
-          <a:fontRef idx="minor">
-            <a:schemeClr val="tx1"/>
-          </a:fontRef>
-        </p:style>
-      </p:cxnSp>
-      <p:cxnSp>
-        <p:nvCxnSpPr>
-          <p:cNvPr id="99" name="Straight Arrow Connector 98">
-            <a:extLst>
-              <a:ext uri="{FF2B5EF4-FFF2-40B4-BE49-F238E27FC236}">
-                <a16:creationId xmlns:a16="http://schemas.microsoft.com/office/drawing/2014/main" id="{DB3D50A0-0E78-4244-B9DD-753ACAD86840}"/>
-              </a:ext>
-            </a:extLst>
-          </p:cNvPr>
-          <p:cNvCxnSpPr>
-            <a:cxnSpLocks/>
-            <a:stCxn id="64" idx="0"/>
-            <a:endCxn id="83" idx="2"/>
-          </p:cNvCxnSpPr>
-          <p:nvPr/>
-        </p:nvCxnSpPr>
-        <p:spPr>
-          <a:xfrm flipV="1">
-            <a:off x="6222158" y="2575202"/>
-            <a:ext cx="912357" cy="719183"/>
-          </a:xfrm>
-          <a:prstGeom prst="straightConnector1">
-            <a:avLst/>
-          </a:prstGeom>
-          <a:ln>
-            <a:solidFill>
-              <a:srgbClr val="6037B1"/>
-            </a:solidFill>
-            <a:headEnd type="triangle"/>
-            <a:tailEnd type="triangle"/>
-          </a:ln>
-          <a:effectLst>
-            <a:outerShdw blurRad="50800" dist="38100" dir="2700000" algn="tl" rotWithShape="0">
-              <a:prstClr val="black">
-                <a:alpha val="40000"/>
-              </a:prstClr>
-            </a:outerShdw>
-          </a:effectLst>
-        </p:spPr>
-        <p:style>
-          <a:lnRef idx="3">
-            <a:schemeClr val="accent1"/>
-          </a:lnRef>
-          <a:fillRef idx="0">
-            <a:schemeClr val="accent1"/>
-          </a:fillRef>
-          <a:effectRef idx="2">
-            <a:schemeClr val="accent1"/>
-          </a:effectRef>
-          <a:fontRef idx="minor">
-            <a:schemeClr val="tx1"/>
-          </a:fontRef>
-        </p:style>
-      </p:cxnSp>
-      <p:cxnSp>
-        <p:nvCxnSpPr>
-          <p:cNvPr id="100" name="Straight Arrow Connector 99">
-            <a:extLst>
-              <a:ext uri="{FF2B5EF4-FFF2-40B4-BE49-F238E27FC236}">
-                <a16:creationId xmlns:a16="http://schemas.microsoft.com/office/drawing/2014/main" id="{D441740B-F735-4950-B4F6-E275B46B6C52}"/>
-              </a:ext>
-            </a:extLst>
-          </p:cNvPr>
-          <p:cNvCxnSpPr>
-            <a:cxnSpLocks/>
-            <a:stCxn id="64" idx="0"/>
-            <a:endCxn id="84" idx="2"/>
-          </p:cNvCxnSpPr>
-          <p:nvPr/>
-        </p:nvCxnSpPr>
-        <p:spPr>
-          <a:xfrm flipV="1">
-            <a:off x="6222158" y="2575202"/>
-            <a:ext cx="1164431" cy="719183"/>
-          </a:xfrm>
-          <a:prstGeom prst="straightConnector1">
-            <a:avLst/>
-          </a:prstGeom>
-          <a:ln>
-            <a:solidFill>
-              <a:srgbClr val="6037B1"/>
-            </a:solidFill>
-            <a:headEnd type="triangle"/>
-            <a:tailEnd type="triangle"/>
-          </a:ln>
-          <a:effectLst>
-            <a:outerShdw blurRad="50800" dist="38100" dir="2700000" algn="tl" rotWithShape="0">
-              <a:prstClr val="black">
-                <a:alpha val="40000"/>
-              </a:prstClr>
-            </a:outerShdw>
-          </a:effectLst>
-        </p:spPr>
-        <p:style>
-          <a:lnRef idx="3">
-            <a:schemeClr val="accent1"/>
-          </a:lnRef>
-          <a:fillRef idx="0">
-            <a:schemeClr val="accent1"/>
-          </a:fillRef>
-          <a:effectRef idx="2">
-            <a:schemeClr val="accent1"/>
-          </a:effectRef>
-          <a:fontRef idx="minor">
-            <a:schemeClr val="tx1"/>
-          </a:fontRef>
-        </p:style>
-      </p:cxnSp>
-      <p:cxnSp>
-        <p:nvCxnSpPr>
-          <p:cNvPr id="101" name="Straight Arrow Connector 100">
-            <a:extLst>
-              <a:ext uri="{FF2B5EF4-FFF2-40B4-BE49-F238E27FC236}">
-                <a16:creationId xmlns:a16="http://schemas.microsoft.com/office/drawing/2014/main" id="{1D13F940-7AC4-47AA-A40C-A1D6B4DB2C19}"/>
-              </a:ext>
-            </a:extLst>
-          </p:cNvPr>
-          <p:cNvCxnSpPr>
-            <a:cxnSpLocks/>
-            <a:stCxn id="64" idx="0"/>
-            <a:endCxn id="85" idx="2"/>
-          </p:cNvCxnSpPr>
-          <p:nvPr/>
-        </p:nvCxnSpPr>
-        <p:spPr>
-          <a:xfrm flipV="1">
-            <a:off x="6222158" y="2575202"/>
-            <a:ext cx="3338503" cy="719183"/>
-          </a:xfrm>
-          <a:prstGeom prst="straightConnector1">
-            <a:avLst/>
-          </a:prstGeom>
-          <a:ln>
-            <a:solidFill>
-              <a:srgbClr val="6037B1"/>
-            </a:solidFill>
-            <a:headEnd type="triangle"/>
-            <a:tailEnd type="triangle"/>
-          </a:ln>
-          <a:effectLst>
-            <a:outerShdw blurRad="50800" dist="38100" dir="2700000" algn="tl" rotWithShape="0">
-              <a:prstClr val="black">
-                <a:alpha val="40000"/>
-              </a:prstClr>
-            </a:outerShdw>
-          </a:effectLst>
-        </p:spPr>
-        <p:style>
-          <a:lnRef idx="3">
-            <a:schemeClr val="accent1"/>
-          </a:lnRef>
-          <a:fillRef idx="0">
-            <a:schemeClr val="accent1"/>
-          </a:fillRef>
-          <a:effectRef idx="2">
-            <a:schemeClr val="accent1"/>
-          </a:effectRef>
-          <a:fontRef idx="minor">
-            <a:schemeClr val="tx1"/>
-          </a:fontRef>
-        </p:style>
-      </p:cxnSp>
-      <p:cxnSp>
-        <p:nvCxnSpPr>
-          <p:cNvPr id="103" name="Straight Arrow Connector 102">
-            <a:extLst>
-              <a:ext uri="{FF2B5EF4-FFF2-40B4-BE49-F238E27FC236}">
-                <a16:creationId xmlns:a16="http://schemas.microsoft.com/office/drawing/2014/main" id="{B2544391-4CA9-4301-AD5E-FE9F1FAE8375}"/>
-              </a:ext>
-            </a:extLst>
-          </p:cNvPr>
-          <p:cNvCxnSpPr>
-            <a:cxnSpLocks/>
-            <a:stCxn id="64" idx="0"/>
-            <a:endCxn id="86" idx="2"/>
-          </p:cNvCxnSpPr>
-          <p:nvPr/>
-        </p:nvCxnSpPr>
-        <p:spPr>
-          <a:xfrm flipV="1">
-            <a:off x="6222158" y="2575202"/>
-            <a:ext cx="3590577" cy="719183"/>
-          </a:xfrm>
-          <a:prstGeom prst="straightConnector1">
-            <a:avLst/>
-          </a:prstGeom>
-          <a:ln>
-            <a:solidFill>
-              <a:srgbClr val="6037B1"/>
-            </a:solidFill>
-            <a:headEnd type="triangle"/>
-            <a:tailEnd type="triangle"/>
-          </a:ln>
-          <a:effectLst>
-            <a:outerShdw blurRad="50800" dist="38100" dir="2700000" algn="tl" rotWithShape="0">
-              <a:prstClr val="black">
-                <a:alpha val="40000"/>
-              </a:prstClr>
-            </a:outerShdw>
-          </a:effectLst>
-        </p:spPr>
-        <p:style>
-          <a:lnRef idx="3">
-            <a:schemeClr val="accent1"/>
-          </a:lnRef>
-          <a:fillRef idx="0">
-            <a:schemeClr val="accent1"/>
-          </a:fillRef>
-          <a:effectRef idx="2">
-            <a:schemeClr val="accent1"/>
-          </a:effectRef>
-          <a:fontRef idx="minor">
-            <a:schemeClr val="tx1"/>
-          </a:fontRef>
-        </p:style>
-      </p:cxnSp>
+          <p:cNvPicPr>
+            <a:picLocks noChangeAspect="1"/>
+          </p:cNvPicPr>
+          <p:nvPr/>
+        </p:nvPicPr>
+        <p:blipFill>
+          <a:blip r:embed="rId3">
+            <a:clrChange>
+              <a:clrFrom>
+                <a:srgbClr val="FFFFFF"/>
+              </a:clrFrom>
+              <a:clrTo>
+                <a:srgbClr val="FFFFFF">
+                  <a:alpha val="0"/>
+                </a:srgbClr>
+              </a:clrTo>
+            </a:clrChange>
+          </a:blip>
+          <a:stretch>
+            <a:fillRect/>
+          </a:stretch>
+        </p:blipFill>
+        <p:spPr>
+          <a:xfrm>
+            <a:off x="5949997" y="793740"/>
+            <a:ext cx="1272517" cy="896948"/>
+          </a:xfrm>
+          <a:prstGeom prst="rect">
+            <a:avLst/>
+          </a:prstGeom>
+        </p:spPr>
+      </p:pic>
     </p:spTree>
     <p:extLst>
       <p:ext uri="{BB962C8B-B14F-4D97-AF65-F5344CB8AC3E}">
-        <p14:creationId xmlns:p14="http://schemas.microsoft.com/office/powerpoint/2010/main" val="1174484053"/>
+        <p14:creationId xmlns:p14="http://schemas.microsoft.com/office/powerpoint/2010/main" val="3415386825"/>
       </p:ext>
     </p:extLst>
   </p:cSld>
@@ -9525,6 +7514,2217 @@
       </p:grpSpPr>
       <p:sp>
         <p:nvSpPr>
+          <p:cNvPr id="3" name="Rectangle 2"/>
+          <p:cNvSpPr/>
+          <p:nvPr/>
+        </p:nvSpPr>
+        <p:spPr>
+          <a:xfrm>
+            <a:off x="2570957" y="3143855"/>
+            <a:ext cx="7315200" cy="1371600"/>
+          </a:xfrm>
+          <a:prstGeom prst="rect">
+            <a:avLst/>
+          </a:prstGeom>
+          <a:solidFill>
+            <a:srgbClr val="C7A9F2"/>
+          </a:solidFill>
+          <a:ln>
+            <a:noFill/>
+          </a:ln>
+        </p:spPr>
+        <p:style>
+          <a:lnRef idx="1">
+            <a:schemeClr val="accent1"/>
+          </a:lnRef>
+          <a:fillRef idx="2">
+            <a:schemeClr val="accent1"/>
+          </a:fillRef>
+          <a:effectRef idx="1">
+            <a:schemeClr val="accent1"/>
+          </a:effectRef>
+          <a:fontRef idx="minor">
+            <a:schemeClr val="dk1"/>
+          </a:fontRef>
+        </p:style>
+        <p:txBody>
+          <a:bodyPr rtlCol="0" anchor="ctr"/>
+          <a:lstStyle/>
+          <a:p>
+            <a:pPr algn="ctr"/>
+            <a:endParaRPr lang="en-US"/>
+          </a:p>
+        </p:txBody>
+      </p:sp>
+      <p:sp>
+        <p:nvSpPr>
+          <p:cNvPr id="2" name="Title 1"/>
+          <p:cNvSpPr>
+            <a:spLocks noGrp="1"/>
+          </p:cNvSpPr>
+          <p:nvPr>
+            <p:ph type="title"/>
+          </p:nvPr>
+        </p:nvSpPr>
+        <p:spPr/>
+        <p:txBody>
+          <a:bodyPr/>
+          <a:lstStyle/>
+          <a:p>
+            <a:r>
+              <a:rPr lang="en-US" dirty="0"/>
+              <a:t>A Swordfish Solution</a:t>
+            </a:r>
+          </a:p>
+        </p:txBody>
+      </p:sp>
+      <p:sp>
+        <p:nvSpPr>
+          <p:cNvPr id="4" name="Rectangle 3"/>
+          <p:cNvSpPr/>
+          <p:nvPr/>
+        </p:nvSpPr>
+        <p:spPr>
+          <a:xfrm>
+            <a:off x="3018413" y="5519800"/>
+            <a:ext cx="914400" cy="914400"/>
+          </a:xfrm>
+          <a:prstGeom prst="rect">
+            <a:avLst/>
+          </a:prstGeom>
+        </p:spPr>
+        <p:style>
+          <a:lnRef idx="0">
+            <a:schemeClr val="accent1"/>
+          </a:lnRef>
+          <a:fillRef idx="3">
+            <a:schemeClr val="accent1"/>
+          </a:fillRef>
+          <a:effectRef idx="3">
+            <a:schemeClr val="accent1"/>
+          </a:effectRef>
+          <a:fontRef idx="minor">
+            <a:schemeClr val="lt1"/>
+          </a:fontRef>
+        </p:style>
+        <p:txBody>
+          <a:bodyPr rtlCol="0" anchor="b"/>
+          <a:lstStyle/>
+          <a:p>
+            <a:pPr algn="ctr"/>
+            <a:r>
+              <a:rPr lang="en-US" dirty="0"/>
+              <a:t>SA</a:t>
+            </a:r>
+            <a:r>
+              <a:rPr lang="en-US" baseline="-25000" dirty="0"/>
+              <a:t>v1</a:t>
+            </a:r>
+          </a:p>
+        </p:txBody>
+      </p:sp>
+      <p:cxnSp>
+        <p:nvCxnSpPr>
+          <p:cNvPr id="7" name="Straight Arrow Connector 6"/>
+          <p:cNvCxnSpPr>
+            <a:cxnSpLocks/>
+          </p:cNvCxnSpPr>
+          <p:nvPr/>
+        </p:nvCxnSpPr>
+        <p:spPr>
+          <a:xfrm flipV="1">
+            <a:off x="3475613" y="3776265"/>
+            <a:ext cx="0" cy="1743535"/>
+          </a:xfrm>
+          <a:prstGeom prst="straightConnector1">
+            <a:avLst/>
+          </a:prstGeom>
+          <a:ln>
+            <a:solidFill>
+              <a:srgbClr val="6037B1"/>
+            </a:solidFill>
+            <a:headEnd type="triangle"/>
+            <a:tailEnd type="triangle"/>
+          </a:ln>
+          <a:effectLst>
+            <a:outerShdw blurRad="50800" dist="38100" dir="2700000" algn="tl" rotWithShape="0">
+              <a:prstClr val="black">
+                <a:alpha val="40000"/>
+              </a:prstClr>
+            </a:outerShdw>
+          </a:effectLst>
+        </p:spPr>
+        <p:style>
+          <a:lnRef idx="3">
+            <a:schemeClr val="accent1"/>
+          </a:lnRef>
+          <a:fillRef idx="0">
+            <a:schemeClr val="accent1"/>
+          </a:fillRef>
+          <a:effectRef idx="2">
+            <a:schemeClr val="accent1"/>
+          </a:effectRef>
+          <a:fontRef idx="minor">
+            <a:schemeClr val="tx1"/>
+          </a:fontRef>
+        </p:style>
+      </p:cxnSp>
+      <p:sp>
+        <p:nvSpPr>
+          <p:cNvPr id="8" name="TextBox 7"/>
+          <p:cNvSpPr txBox="1"/>
+          <p:nvPr/>
+        </p:nvSpPr>
+        <p:spPr>
+          <a:xfrm>
+            <a:off x="3461747" y="5028670"/>
+            <a:ext cx="758541" cy="369332"/>
+          </a:xfrm>
+          <a:prstGeom prst="rect">
+            <a:avLst/>
+          </a:prstGeom>
+          <a:noFill/>
+        </p:spPr>
+        <p:txBody>
+          <a:bodyPr wrap="none" rtlCol="0">
+            <a:spAutoFit/>
+          </a:bodyPr>
+          <a:lstStyle/>
+          <a:p>
+            <a:r>
+              <a:rPr lang="en-US" dirty="0"/>
+              <a:t>SF API</a:t>
+            </a:r>
+            <a:endParaRPr lang="en-US" baseline="-25000" dirty="0"/>
+          </a:p>
+        </p:txBody>
+      </p:sp>
+      <p:sp>
+        <p:nvSpPr>
+          <p:cNvPr id="9" name="Rectangle 8"/>
+          <p:cNvSpPr/>
+          <p:nvPr/>
+        </p:nvSpPr>
+        <p:spPr>
+          <a:xfrm>
+            <a:off x="4512545" y="5519800"/>
+            <a:ext cx="914400" cy="914400"/>
+          </a:xfrm>
+          <a:prstGeom prst="rect">
+            <a:avLst/>
+          </a:prstGeom>
+        </p:spPr>
+        <p:style>
+          <a:lnRef idx="0">
+            <a:schemeClr val="accent2"/>
+          </a:lnRef>
+          <a:fillRef idx="3">
+            <a:schemeClr val="accent2"/>
+          </a:fillRef>
+          <a:effectRef idx="3">
+            <a:schemeClr val="accent2"/>
+          </a:effectRef>
+          <a:fontRef idx="minor">
+            <a:schemeClr val="lt1"/>
+          </a:fontRef>
+        </p:style>
+        <p:txBody>
+          <a:bodyPr rtlCol="0" anchor="b"/>
+          <a:lstStyle/>
+          <a:p>
+            <a:pPr algn="ctr"/>
+            <a:r>
+              <a:rPr lang="en-US" dirty="0"/>
+              <a:t>SA</a:t>
+            </a:r>
+            <a:r>
+              <a:rPr lang="en-US" baseline="-25000" dirty="0"/>
+              <a:t>v2</a:t>
+            </a:r>
+          </a:p>
+        </p:txBody>
+      </p:sp>
+      <p:sp>
+        <p:nvSpPr>
+          <p:cNvPr id="14" name="Rectangle 13"/>
+          <p:cNvSpPr/>
+          <p:nvPr/>
+        </p:nvSpPr>
+        <p:spPr>
+          <a:xfrm>
+            <a:off x="5930048" y="5519800"/>
+            <a:ext cx="914400" cy="914400"/>
+          </a:xfrm>
+          <a:prstGeom prst="rect">
+            <a:avLst/>
+          </a:prstGeom>
+        </p:spPr>
+        <p:style>
+          <a:lnRef idx="0">
+            <a:schemeClr val="accent4"/>
+          </a:lnRef>
+          <a:fillRef idx="3">
+            <a:schemeClr val="accent4"/>
+          </a:fillRef>
+          <a:effectRef idx="3">
+            <a:schemeClr val="accent4"/>
+          </a:effectRef>
+          <a:fontRef idx="minor">
+            <a:schemeClr val="lt1"/>
+          </a:fontRef>
+        </p:style>
+        <p:txBody>
+          <a:bodyPr rtlCol="0" anchor="b"/>
+          <a:lstStyle/>
+          <a:p>
+            <a:pPr algn="ctr"/>
+            <a:r>
+              <a:rPr lang="en-US" dirty="0"/>
+              <a:t>SA</a:t>
+            </a:r>
+            <a:r>
+              <a:rPr lang="en-US" baseline="-25000" dirty="0"/>
+              <a:t>v3</a:t>
+            </a:r>
+          </a:p>
+        </p:txBody>
+      </p:sp>
+      <p:sp>
+        <p:nvSpPr>
+          <p:cNvPr id="19" name="Rectangle 18"/>
+          <p:cNvSpPr/>
+          <p:nvPr/>
+        </p:nvSpPr>
+        <p:spPr>
+          <a:xfrm>
+            <a:off x="8310641" y="5519800"/>
+            <a:ext cx="914400" cy="914400"/>
+          </a:xfrm>
+          <a:prstGeom prst="rect">
+            <a:avLst/>
+          </a:prstGeom>
+        </p:spPr>
+        <p:style>
+          <a:lnRef idx="0">
+            <a:schemeClr val="accent6"/>
+          </a:lnRef>
+          <a:fillRef idx="3">
+            <a:schemeClr val="accent6"/>
+          </a:fillRef>
+          <a:effectRef idx="3">
+            <a:schemeClr val="accent6"/>
+          </a:effectRef>
+          <a:fontRef idx="minor">
+            <a:schemeClr val="lt1"/>
+          </a:fontRef>
+        </p:style>
+        <p:txBody>
+          <a:bodyPr rtlCol="0" anchor="b"/>
+          <a:lstStyle/>
+          <a:p>
+            <a:pPr algn="ctr"/>
+            <a:r>
+              <a:rPr lang="en-US" dirty="0" err="1"/>
+              <a:t>SA</a:t>
+            </a:r>
+            <a:r>
+              <a:rPr lang="en-US" baseline="-25000" dirty="0" err="1"/>
+              <a:t>vN</a:t>
+            </a:r>
+            <a:endParaRPr lang="en-US" baseline="-25000" dirty="0"/>
+          </a:p>
+        </p:txBody>
+      </p:sp>
+      <p:cxnSp>
+        <p:nvCxnSpPr>
+          <p:cNvPr id="20" name="Straight Arrow Connector 19"/>
+          <p:cNvCxnSpPr/>
+          <p:nvPr/>
+        </p:nvCxnSpPr>
+        <p:spPr>
+          <a:xfrm flipV="1">
+            <a:off x="9051308" y="5040894"/>
+            <a:ext cx="1" cy="478906"/>
+          </a:xfrm>
+          <a:prstGeom prst="straightConnector1">
+            <a:avLst/>
+          </a:prstGeom>
+          <a:ln>
+            <a:headEnd type="triangle"/>
+            <a:tailEnd type="triangle"/>
+          </a:ln>
+          <a:effectLst>
+            <a:outerShdw blurRad="50800" dist="38100" dir="2700000" algn="tl" rotWithShape="0">
+              <a:prstClr val="black">
+                <a:alpha val="40000"/>
+              </a:prstClr>
+            </a:outerShdw>
+          </a:effectLst>
+        </p:spPr>
+        <p:style>
+          <a:lnRef idx="3">
+            <a:schemeClr val="accent6"/>
+          </a:lnRef>
+          <a:fillRef idx="0">
+            <a:schemeClr val="accent6"/>
+          </a:fillRef>
+          <a:effectRef idx="2">
+            <a:schemeClr val="accent6"/>
+          </a:effectRef>
+          <a:fontRef idx="minor">
+            <a:schemeClr val="tx1"/>
+          </a:fontRef>
+        </p:style>
+      </p:cxnSp>
+      <p:sp>
+        <p:nvSpPr>
+          <p:cNvPr id="21" name="TextBox 20"/>
+          <p:cNvSpPr txBox="1"/>
+          <p:nvPr/>
+        </p:nvSpPr>
+        <p:spPr>
+          <a:xfrm>
+            <a:off x="8979296" y="5074378"/>
+            <a:ext cx="990977" cy="369332"/>
+          </a:xfrm>
+          <a:prstGeom prst="rect">
+            <a:avLst/>
+          </a:prstGeom>
+          <a:noFill/>
+        </p:spPr>
+        <p:txBody>
+          <a:bodyPr wrap="none" rtlCol="0">
+            <a:spAutoFit/>
+          </a:bodyPr>
+          <a:lstStyle/>
+          <a:p>
+            <a:r>
+              <a:rPr lang="en-US" dirty="0" err="1"/>
+              <a:t>VMAPI</a:t>
+            </a:r>
+            <a:r>
+              <a:rPr lang="en-US" baseline="-25000" dirty="0" err="1"/>
+              <a:t>vN</a:t>
+            </a:r>
+            <a:endParaRPr lang="en-US" baseline="-25000" dirty="0"/>
+          </a:p>
+        </p:txBody>
+      </p:sp>
+      <p:cxnSp>
+        <p:nvCxnSpPr>
+          <p:cNvPr id="22" name="Straight Arrow Connector 21"/>
+          <p:cNvCxnSpPr/>
+          <p:nvPr/>
+        </p:nvCxnSpPr>
+        <p:spPr>
+          <a:xfrm flipV="1">
+            <a:off x="8471575" y="4784076"/>
+            <a:ext cx="0" cy="735724"/>
+          </a:xfrm>
+          <a:prstGeom prst="straightConnector1">
+            <a:avLst/>
+          </a:prstGeom>
+          <a:ln>
+            <a:headEnd type="triangle"/>
+            <a:tailEnd type="triangle"/>
+          </a:ln>
+          <a:effectLst>
+            <a:outerShdw blurRad="50800" dist="38100" dir="2700000" algn="tl" rotWithShape="0">
+              <a:prstClr val="black">
+                <a:alpha val="40000"/>
+              </a:prstClr>
+            </a:outerShdw>
+          </a:effectLst>
+        </p:spPr>
+        <p:style>
+          <a:lnRef idx="3">
+            <a:schemeClr val="accent6"/>
+          </a:lnRef>
+          <a:fillRef idx="0">
+            <a:schemeClr val="accent6"/>
+          </a:fillRef>
+          <a:effectRef idx="2">
+            <a:schemeClr val="accent6"/>
+          </a:effectRef>
+          <a:fontRef idx="minor">
+            <a:schemeClr val="tx1"/>
+          </a:fontRef>
+        </p:style>
+      </p:cxnSp>
+      <p:sp>
+        <p:nvSpPr>
+          <p:cNvPr id="23" name="TextBox 22"/>
+          <p:cNvSpPr txBox="1"/>
+          <p:nvPr/>
+        </p:nvSpPr>
+        <p:spPr>
+          <a:xfrm>
+            <a:off x="8471575" y="4688304"/>
+            <a:ext cx="965329" cy="369332"/>
+          </a:xfrm>
+          <a:prstGeom prst="rect">
+            <a:avLst/>
+          </a:prstGeom>
+          <a:noFill/>
+        </p:spPr>
+        <p:txBody>
+          <a:bodyPr wrap="none" rtlCol="0">
+            <a:spAutoFit/>
+          </a:bodyPr>
+          <a:lstStyle/>
+          <a:p>
+            <a:r>
+              <a:rPr lang="en-US" dirty="0" err="1"/>
+              <a:t>FMAPI</a:t>
+            </a:r>
+            <a:r>
+              <a:rPr lang="en-US" baseline="-25000" dirty="0" err="1"/>
+              <a:t>vN</a:t>
+            </a:r>
+            <a:endParaRPr lang="en-US" baseline="-25000" dirty="0"/>
+          </a:p>
+        </p:txBody>
+      </p:sp>
+      <p:sp>
+        <p:nvSpPr>
+          <p:cNvPr id="24" name="TextBox 23"/>
+          <p:cNvSpPr txBox="1"/>
+          <p:nvPr/>
+        </p:nvSpPr>
+        <p:spPr>
+          <a:xfrm>
+            <a:off x="7282100" y="5425207"/>
+            <a:ext cx="550151" cy="707886"/>
+          </a:xfrm>
+          <a:prstGeom prst="rect">
+            <a:avLst/>
+          </a:prstGeom>
+          <a:noFill/>
+        </p:spPr>
+        <p:txBody>
+          <a:bodyPr wrap="none" rtlCol="0">
+            <a:spAutoFit/>
+          </a:bodyPr>
+          <a:lstStyle/>
+          <a:p>
+            <a:r>
+              <a:rPr lang="en-US" sz="4000" b="1" dirty="0"/>
+              <a:t>…</a:t>
+            </a:r>
+          </a:p>
+        </p:txBody>
+      </p:sp>
+      <p:sp>
+        <p:nvSpPr>
+          <p:cNvPr id="25" name="Rectangle 24"/>
+          <p:cNvSpPr/>
+          <p:nvPr/>
+        </p:nvSpPr>
+        <p:spPr>
+          <a:xfrm>
+            <a:off x="1083468" y="1569362"/>
+            <a:ext cx="2286000" cy="914400"/>
+          </a:xfrm>
+          <a:prstGeom prst="rect">
+            <a:avLst/>
+          </a:prstGeom>
+        </p:spPr>
+        <p:style>
+          <a:lnRef idx="0">
+            <a:schemeClr val="accent5"/>
+          </a:lnRef>
+          <a:fillRef idx="3">
+            <a:schemeClr val="accent5"/>
+          </a:fillRef>
+          <a:effectRef idx="3">
+            <a:schemeClr val="accent5"/>
+          </a:effectRef>
+          <a:fontRef idx="minor">
+            <a:schemeClr val="lt1"/>
+          </a:fontRef>
+        </p:style>
+        <p:txBody>
+          <a:bodyPr rtlCol="0" anchor="ctr"/>
+          <a:lstStyle/>
+          <a:p>
+            <a:pPr algn="ctr"/>
+            <a:r>
+              <a:rPr lang="en-US" dirty="0" err="1"/>
+              <a:t>Kubernettes</a:t>
+            </a:r>
+            <a:endParaRPr lang="en-US" dirty="0"/>
+          </a:p>
+        </p:txBody>
+      </p:sp>
+      <p:sp>
+        <p:nvSpPr>
+          <p:cNvPr id="26" name="Rectangle 25"/>
+          <p:cNvSpPr/>
+          <p:nvPr/>
+        </p:nvSpPr>
+        <p:spPr>
+          <a:xfrm>
+            <a:off x="3555568" y="1573769"/>
+            <a:ext cx="2286000" cy="914400"/>
+          </a:xfrm>
+          <a:prstGeom prst="rect">
+            <a:avLst/>
+          </a:prstGeom>
+        </p:spPr>
+        <p:style>
+          <a:lnRef idx="0">
+            <a:schemeClr val="accent5"/>
+          </a:lnRef>
+          <a:fillRef idx="3">
+            <a:schemeClr val="accent5"/>
+          </a:fillRef>
+          <a:effectRef idx="3">
+            <a:schemeClr val="accent5"/>
+          </a:effectRef>
+          <a:fontRef idx="minor">
+            <a:schemeClr val="lt1"/>
+          </a:fontRef>
+        </p:style>
+        <p:txBody>
+          <a:bodyPr rtlCol="0" anchor="ctr"/>
+          <a:lstStyle/>
+          <a:p>
+            <a:pPr algn="ctr"/>
+            <a:r>
+              <a:rPr lang="en-US" dirty="0" err="1"/>
+              <a:t>Mesos</a:t>
+            </a:r>
+            <a:endParaRPr lang="en-US" dirty="0"/>
+          </a:p>
+        </p:txBody>
+      </p:sp>
+      <p:sp>
+        <p:nvSpPr>
+          <p:cNvPr id="27" name="Rectangle 26"/>
+          <p:cNvSpPr/>
+          <p:nvPr/>
+        </p:nvSpPr>
+        <p:spPr>
+          <a:xfrm>
+            <a:off x="6027668" y="1583498"/>
+            <a:ext cx="2286000" cy="914400"/>
+          </a:xfrm>
+          <a:prstGeom prst="rect">
+            <a:avLst/>
+          </a:prstGeom>
+        </p:spPr>
+        <p:style>
+          <a:lnRef idx="0">
+            <a:schemeClr val="accent5"/>
+          </a:lnRef>
+          <a:fillRef idx="3">
+            <a:schemeClr val="accent5"/>
+          </a:fillRef>
+          <a:effectRef idx="3">
+            <a:schemeClr val="accent5"/>
+          </a:effectRef>
+          <a:fontRef idx="minor">
+            <a:schemeClr val="lt1"/>
+          </a:fontRef>
+        </p:style>
+        <p:txBody>
+          <a:bodyPr rtlCol="0" anchor="ctr"/>
+          <a:lstStyle/>
+          <a:p>
+            <a:pPr algn="ctr"/>
+            <a:r>
+              <a:rPr lang="en-US" dirty="0" err="1"/>
+              <a:t>Docker</a:t>
+            </a:r>
+            <a:endParaRPr lang="en-US" dirty="0"/>
+          </a:p>
+        </p:txBody>
+      </p:sp>
+      <p:sp>
+        <p:nvSpPr>
+          <p:cNvPr id="28" name="Rectangle 27"/>
+          <p:cNvSpPr/>
+          <p:nvPr/>
+        </p:nvSpPr>
+        <p:spPr>
+          <a:xfrm>
+            <a:off x="8499768" y="1569362"/>
+            <a:ext cx="2286000" cy="914400"/>
+          </a:xfrm>
+          <a:prstGeom prst="rect">
+            <a:avLst/>
+          </a:prstGeom>
+        </p:spPr>
+        <p:style>
+          <a:lnRef idx="0">
+            <a:schemeClr val="accent5"/>
+          </a:lnRef>
+          <a:fillRef idx="3">
+            <a:schemeClr val="accent5"/>
+          </a:fillRef>
+          <a:effectRef idx="3">
+            <a:schemeClr val="accent5"/>
+          </a:effectRef>
+          <a:fontRef idx="minor">
+            <a:schemeClr val="lt1"/>
+          </a:fontRef>
+        </p:style>
+        <p:txBody>
+          <a:bodyPr rtlCol="0" anchor="ctr"/>
+          <a:lstStyle/>
+          <a:p>
+            <a:pPr algn="ctr"/>
+            <a:r>
+              <a:rPr lang="en-US" dirty="0" err="1"/>
+              <a:t>OpenStack</a:t>
+            </a:r>
+            <a:endParaRPr lang="en-US" dirty="0"/>
+          </a:p>
+          <a:p>
+            <a:pPr algn="ctr"/>
+            <a:r>
+              <a:rPr lang="en-US" dirty="0"/>
+              <a:t>Nova</a:t>
+            </a:r>
+          </a:p>
+        </p:txBody>
+      </p:sp>
+      <p:sp>
+        <p:nvSpPr>
+          <p:cNvPr id="64" name="Rectangle 63"/>
+          <p:cNvSpPr/>
+          <p:nvPr/>
+        </p:nvSpPr>
+        <p:spPr>
+          <a:xfrm>
+            <a:off x="2727297" y="3294385"/>
+            <a:ext cx="6989722" cy="457200"/>
+          </a:xfrm>
+          <a:prstGeom prst="rect">
+            <a:avLst/>
+          </a:prstGeom>
+          <a:solidFill>
+            <a:srgbClr val="6037B1"/>
+          </a:solidFill>
+        </p:spPr>
+        <p:style>
+          <a:lnRef idx="0">
+            <a:schemeClr val="accent3"/>
+          </a:lnRef>
+          <a:fillRef idx="3">
+            <a:schemeClr val="accent3"/>
+          </a:fillRef>
+          <a:effectRef idx="3">
+            <a:schemeClr val="accent3"/>
+          </a:effectRef>
+          <a:fontRef idx="minor">
+            <a:schemeClr val="lt1"/>
+          </a:fontRef>
+        </p:style>
+        <p:txBody>
+          <a:bodyPr wrap="none" lIns="0" tIns="0" rIns="0" bIns="0" rtlCol="0" anchor="ctr"/>
+          <a:lstStyle/>
+          <a:p>
+            <a:pPr algn="ctr"/>
+            <a:r>
+              <a:rPr lang="en-US" b="1" kern="0" dirty="0"/>
+              <a:t>SF SS</a:t>
+            </a:r>
+          </a:p>
+        </p:txBody>
+      </p:sp>
+      <p:sp>
+        <p:nvSpPr>
+          <p:cNvPr id="73" name="Rectangle 72"/>
+          <p:cNvSpPr/>
+          <p:nvPr/>
+        </p:nvSpPr>
+        <p:spPr>
+          <a:xfrm>
+            <a:off x="2079257" y="2392322"/>
+            <a:ext cx="182880" cy="182880"/>
+          </a:xfrm>
+          <a:prstGeom prst="rect">
+            <a:avLst/>
+          </a:prstGeom>
+          <a:solidFill>
+            <a:srgbClr val="C7A9F2"/>
+          </a:solidFill>
+        </p:spPr>
+        <p:style>
+          <a:lnRef idx="0">
+            <a:schemeClr val="accent3"/>
+          </a:lnRef>
+          <a:fillRef idx="3">
+            <a:schemeClr val="accent3"/>
+          </a:fillRef>
+          <a:effectRef idx="3">
+            <a:schemeClr val="accent3"/>
+          </a:effectRef>
+          <a:fontRef idx="minor">
+            <a:schemeClr val="lt1"/>
+          </a:fontRef>
+        </p:style>
+        <p:txBody>
+          <a:bodyPr wrap="none" tIns="0" rtlCol="0" anchor="t"/>
+          <a:lstStyle/>
+          <a:p>
+            <a:pPr algn="ctr"/>
+            <a:r>
+              <a:rPr lang="en-US" sz="1200" b="1" baseline="-25000" dirty="0"/>
+              <a:t>V</a:t>
+            </a:r>
+          </a:p>
+        </p:txBody>
+      </p:sp>
+      <p:sp>
+        <p:nvSpPr>
+          <p:cNvPr id="74" name="Rectangle 73"/>
+          <p:cNvSpPr/>
+          <p:nvPr/>
+        </p:nvSpPr>
+        <p:spPr>
+          <a:xfrm>
+            <a:off x="2331331" y="2392322"/>
+            <a:ext cx="182880" cy="182880"/>
+          </a:xfrm>
+          <a:prstGeom prst="rect">
+            <a:avLst/>
+          </a:prstGeom>
+          <a:solidFill>
+            <a:srgbClr val="C7A9F2"/>
+          </a:solidFill>
+        </p:spPr>
+        <p:style>
+          <a:lnRef idx="0">
+            <a:schemeClr val="accent3"/>
+          </a:lnRef>
+          <a:fillRef idx="3">
+            <a:schemeClr val="accent3"/>
+          </a:fillRef>
+          <a:effectRef idx="3">
+            <a:schemeClr val="accent3"/>
+          </a:effectRef>
+          <a:fontRef idx="minor">
+            <a:schemeClr val="lt1"/>
+          </a:fontRef>
+        </p:style>
+        <p:txBody>
+          <a:bodyPr wrap="none" tIns="0" rtlCol="0" anchor="t"/>
+          <a:lstStyle/>
+          <a:p>
+            <a:pPr algn="ctr"/>
+            <a:r>
+              <a:rPr lang="en-US" sz="1200" b="1" baseline="-25000" dirty="0"/>
+              <a:t>F</a:t>
+            </a:r>
+          </a:p>
+        </p:txBody>
+      </p:sp>
+      <p:sp>
+        <p:nvSpPr>
+          <p:cNvPr id="79" name="Rectangle 78"/>
+          <p:cNvSpPr/>
+          <p:nvPr/>
+        </p:nvSpPr>
+        <p:spPr>
+          <a:xfrm>
+            <a:off x="4565205" y="2382003"/>
+            <a:ext cx="182880" cy="182880"/>
+          </a:xfrm>
+          <a:prstGeom prst="rect">
+            <a:avLst/>
+          </a:prstGeom>
+          <a:solidFill>
+            <a:srgbClr val="C7A9F2"/>
+          </a:solidFill>
+        </p:spPr>
+        <p:style>
+          <a:lnRef idx="0">
+            <a:schemeClr val="accent3"/>
+          </a:lnRef>
+          <a:fillRef idx="3">
+            <a:schemeClr val="accent3"/>
+          </a:fillRef>
+          <a:effectRef idx="3">
+            <a:schemeClr val="accent3"/>
+          </a:effectRef>
+          <a:fontRef idx="minor">
+            <a:schemeClr val="lt1"/>
+          </a:fontRef>
+        </p:style>
+        <p:txBody>
+          <a:bodyPr wrap="none" tIns="0" rtlCol="0" anchor="t"/>
+          <a:lstStyle/>
+          <a:p>
+            <a:pPr algn="ctr"/>
+            <a:r>
+              <a:rPr lang="en-US" sz="1200" b="1" baseline="-25000" dirty="0"/>
+              <a:t>V</a:t>
+            </a:r>
+          </a:p>
+        </p:txBody>
+      </p:sp>
+      <p:sp>
+        <p:nvSpPr>
+          <p:cNvPr id="80" name="Rectangle 79"/>
+          <p:cNvSpPr/>
+          <p:nvPr/>
+        </p:nvSpPr>
+        <p:spPr>
+          <a:xfrm>
+            <a:off x="4817279" y="2382003"/>
+            <a:ext cx="182880" cy="182880"/>
+          </a:xfrm>
+          <a:prstGeom prst="rect">
+            <a:avLst/>
+          </a:prstGeom>
+          <a:solidFill>
+            <a:srgbClr val="C7A9F2"/>
+          </a:solidFill>
+        </p:spPr>
+        <p:style>
+          <a:lnRef idx="0">
+            <a:schemeClr val="accent3"/>
+          </a:lnRef>
+          <a:fillRef idx="3">
+            <a:schemeClr val="accent3"/>
+          </a:fillRef>
+          <a:effectRef idx="3">
+            <a:schemeClr val="accent3"/>
+          </a:effectRef>
+          <a:fontRef idx="minor">
+            <a:schemeClr val="lt1"/>
+          </a:fontRef>
+        </p:style>
+        <p:txBody>
+          <a:bodyPr wrap="none" tIns="0" rtlCol="0" anchor="t"/>
+          <a:lstStyle/>
+          <a:p>
+            <a:pPr algn="ctr"/>
+            <a:r>
+              <a:rPr lang="en-US" sz="1200" b="1" baseline="-25000" dirty="0"/>
+              <a:t>F</a:t>
+            </a:r>
+          </a:p>
+        </p:txBody>
+      </p:sp>
+      <p:sp>
+        <p:nvSpPr>
+          <p:cNvPr id="83" name="Rectangle 82"/>
+          <p:cNvSpPr/>
+          <p:nvPr/>
+        </p:nvSpPr>
+        <p:spPr>
+          <a:xfrm>
+            <a:off x="7043075" y="2392322"/>
+            <a:ext cx="182880" cy="182880"/>
+          </a:xfrm>
+          <a:prstGeom prst="rect">
+            <a:avLst/>
+          </a:prstGeom>
+          <a:solidFill>
+            <a:srgbClr val="C7A9F2"/>
+          </a:solidFill>
+        </p:spPr>
+        <p:style>
+          <a:lnRef idx="0">
+            <a:schemeClr val="accent3"/>
+          </a:lnRef>
+          <a:fillRef idx="3">
+            <a:schemeClr val="accent3"/>
+          </a:fillRef>
+          <a:effectRef idx="3">
+            <a:schemeClr val="accent3"/>
+          </a:effectRef>
+          <a:fontRef idx="minor">
+            <a:schemeClr val="lt1"/>
+          </a:fontRef>
+        </p:style>
+        <p:txBody>
+          <a:bodyPr wrap="none" tIns="0" rtlCol="0" anchor="t"/>
+          <a:lstStyle/>
+          <a:p>
+            <a:pPr algn="ctr"/>
+            <a:r>
+              <a:rPr lang="en-US" sz="1200" b="1" baseline="-25000" dirty="0"/>
+              <a:t>V</a:t>
+            </a:r>
+          </a:p>
+        </p:txBody>
+      </p:sp>
+      <p:sp>
+        <p:nvSpPr>
+          <p:cNvPr id="84" name="Rectangle 83"/>
+          <p:cNvSpPr/>
+          <p:nvPr/>
+        </p:nvSpPr>
+        <p:spPr>
+          <a:xfrm>
+            <a:off x="7295149" y="2392322"/>
+            <a:ext cx="182880" cy="182880"/>
+          </a:xfrm>
+          <a:prstGeom prst="rect">
+            <a:avLst/>
+          </a:prstGeom>
+          <a:solidFill>
+            <a:srgbClr val="C7A9F2"/>
+          </a:solidFill>
+        </p:spPr>
+        <p:style>
+          <a:lnRef idx="0">
+            <a:schemeClr val="accent3"/>
+          </a:lnRef>
+          <a:fillRef idx="3">
+            <a:schemeClr val="accent3"/>
+          </a:fillRef>
+          <a:effectRef idx="3">
+            <a:schemeClr val="accent3"/>
+          </a:effectRef>
+          <a:fontRef idx="minor">
+            <a:schemeClr val="lt1"/>
+          </a:fontRef>
+        </p:style>
+        <p:txBody>
+          <a:bodyPr wrap="none" tIns="0" rtlCol="0" anchor="t"/>
+          <a:lstStyle/>
+          <a:p>
+            <a:pPr algn="ctr"/>
+            <a:r>
+              <a:rPr lang="en-US" sz="1200" b="1" baseline="-25000" dirty="0"/>
+              <a:t>F</a:t>
+            </a:r>
+          </a:p>
+        </p:txBody>
+      </p:sp>
+      <p:sp>
+        <p:nvSpPr>
+          <p:cNvPr id="85" name="Rectangle 84"/>
+          <p:cNvSpPr/>
+          <p:nvPr/>
+        </p:nvSpPr>
+        <p:spPr>
+          <a:xfrm>
+            <a:off x="9469221" y="2392322"/>
+            <a:ext cx="182880" cy="182880"/>
+          </a:xfrm>
+          <a:prstGeom prst="rect">
+            <a:avLst/>
+          </a:prstGeom>
+          <a:solidFill>
+            <a:srgbClr val="C7A9F2"/>
+          </a:solidFill>
+        </p:spPr>
+        <p:style>
+          <a:lnRef idx="0">
+            <a:schemeClr val="accent3"/>
+          </a:lnRef>
+          <a:fillRef idx="3">
+            <a:schemeClr val="accent3"/>
+          </a:fillRef>
+          <a:effectRef idx="3">
+            <a:schemeClr val="accent3"/>
+          </a:effectRef>
+          <a:fontRef idx="minor">
+            <a:schemeClr val="lt1"/>
+          </a:fontRef>
+        </p:style>
+        <p:txBody>
+          <a:bodyPr wrap="none" tIns="0" rtlCol="0" anchor="t"/>
+          <a:lstStyle/>
+          <a:p>
+            <a:pPr algn="ctr"/>
+            <a:r>
+              <a:rPr lang="en-US" sz="1200" b="1" baseline="-25000" dirty="0"/>
+              <a:t>V</a:t>
+            </a:r>
+          </a:p>
+        </p:txBody>
+      </p:sp>
+      <p:sp>
+        <p:nvSpPr>
+          <p:cNvPr id="86" name="Rectangle 85"/>
+          <p:cNvSpPr/>
+          <p:nvPr/>
+        </p:nvSpPr>
+        <p:spPr>
+          <a:xfrm>
+            <a:off x="9721295" y="2392322"/>
+            <a:ext cx="182880" cy="182880"/>
+          </a:xfrm>
+          <a:prstGeom prst="rect">
+            <a:avLst/>
+          </a:prstGeom>
+          <a:solidFill>
+            <a:srgbClr val="C7A9F2"/>
+          </a:solidFill>
+        </p:spPr>
+        <p:style>
+          <a:lnRef idx="0">
+            <a:schemeClr val="accent3"/>
+          </a:lnRef>
+          <a:fillRef idx="3">
+            <a:schemeClr val="accent3"/>
+          </a:fillRef>
+          <a:effectRef idx="3">
+            <a:schemeClr val="accent3"/>
+          </a:effectRef>
+          <a:fontRef idx="minor">
+            <a:schemeClr val="lt1"/>
+          </a:fontRef>
+        </p:style>
+        <p:txBody>
+          <a:bodyPr wrap="none" tIns="0" rtlCol="0" anchor="t"/>
+          <a:lstStyle/>
+          <a:p>
+            <a:pPr algn="ctr"/>
+            <a:r>
+              <a:rPr lang="en-US" sz="1200" b="1" baseline="-25000" dirty="0"/>
+              <a:t>F</a:t>
+            </a:r>
+          </a:p>
+        </p:txBody>
+      </p:sp>
+      <p:pic>
+        <p:nvPicPr>
+          <p:cNvPr id="50" name="Picture 49">
+            <a:extLst>
+              <a:ext uri="{FF2B5EF4-FFF2-40B4-BE49-F238E27FC236}">
+                <a16:creationId xmlns:a16="http://schemas.microsoft.com/office/drawing/2014/main" id="{43948C6C-CD53-4587-9306-BD8AF466C202}"/>
+              </a:ext>
+            </a:extLst>
+          </p:cNvPr>
+          <p:cNvPicPr>
+            <a:picLocks noChangeAspect="1"/>
+          </p:cNvPicPr>
+          <p:nvPr/>
+        </p:nvPicPr>
+        <p:blipFill>
+          <a:blip r:embed="rId2">
+            <a:clrChange>
+              <a:clrFrom>
+                <a:srgbClr val="FFFFFF"/>
+              </a:clrFrom>
+              <a:clrTo>
+                <a:srgbClr val="FFFFFF">
+                  <a:alpha val="0"/>
+                </a:srgbClr>
+              </a:clrTo>
+            </a:clrChange>
+          </a:blip>
+          <a:stretch>
+            <a:fillRect/>
+          </a:stretch>
+        </p:blipFill>
+        <p:spPr>
+          <a:xfrm>
+            <a:off x="11036860" y="5708059"/>
+            <a:ext cx="802494" cy="850068"/>
+          </a:xfrm>
+          <a:prstGeom prst="rect">
+            <a:avLst/>
+          </a:prstGeom>
+        </p:spPr>
+      </p:pic>
+      <p:sp>
+        <p:nvSpPr>
+          <p:cNvPr id="51" name="TextBox 50">
+            <a:extLst>
+              <a:ext uri="{FF2B5EF4-FFF2-40B4-BE49-F238E27FC236}">
+                <a16:creationId xmlns:a16="http://schemas.microsoft.com/office/drawing/2014/main" id="{9DE86F9C-988D-4C32-A372-AF1BB93D5D22}"/>
+              </a:ext>
+            </a:extLst>
+          </p:cNvPr>
+          <p:cNvSpPr txBox="1"/>
+          <p:nvPr/>
+        </p:nvSpPr>
+        <p:spPr>
+          <a:xfrm>
+            <a:off x="304530" y="5625261"/>
+            <a:ext cx="2298899" cy="1015663"/>
+          </a:xfrm>
+          <a:prstGeom prst="rect">
+            <a:avLst/>
+          </a:prstGeom>
+          <a:solidFill>
+            <a:schemeClr val="bg1"/>
+          </a:solidFill>
+          <a:ln>
+            <a:solidFill>
+              <a:srgbClr val="000000"/>
+            </a:solidFill>
+          </a:ln>
+          <a:effectLst>
+            <a:outerShdw blurRad="50800" dist="38100" dir="2700000" algn="tl" rotWithShape="0">
+              <a:prstClr val="black">
+                <a:alpha val="40000"/>
+              </a:prstClr>
+            </a:outerShdw>
+          </a:effectLst>
+        </p:spPr>
+        <p:txBody>
+          <a:bodyPr wrap="none" rtlCol="0">
+            <a:spAutoFit/>
+          </a:bodyPr>
+          <a:lstStyle/>
+          <a:p>
+            <a:pPr algn="ctr"/>
+            <a:r>
+              <a:rPr lang="en-US" sz="1200" b="1" dirty="0"/>
+              <a:t>Key </a:t>
+            </a:r>
+          </a:p>
+          <a:p>
+            <a:r>
+              <a:rPr lang="en-US" sz="1200" b="1" dirty="0"/>
+              <a:t>SA = Storage Array</a:t>
+            </a:r>
+          </a:p>
+          <a:p>
+            <a:r>
+              <a:rPr lang="en-US" sz="1200" b="1" dirty="0"/>
+              <a:t>SAv1 = Storage Array Vendor 1</a:t>
+            </a:r>
+          </a:p>
+          <a:p>
+            <a:r>
+              <a:rPr lang="en-US" sz="1200" b="1" dirty="0"/>
+              <a:t>SFAPI = Swordfish REST API</a:t>
+            </a:r>
+          </a:p>
+          <a:p>
+            <a:r>
+              <a:rPr lang="en-US" sz="1200" b="1" dirty="0"/>
+              <a:t>SF SS = Swordfish Storage Service</a:t>
+            </a:r>
+          </a:p>
+        </p:txBody>
+      </p:sp>
+      <p:cxnSp>
+        <p:nvCxnSpPr>
+          <p:cNvPr id="52" name="Straight Arrow Connector 51">
+            <a:extLst>
+              <a:ext uri="{FF2B5EF4-FFF2-40B4-BE49-F238E27FC236}">
+                <a16:creationId xmlns:a16="http://schemas.microsoft.com/office/drawing/2014/main" id="{A004D797-158A-41F2-A58A-48FD562C6A4C}"/>
+              </a:ext>
+            </a:extLst>
+          </p:cNvPr>
+          <p:cNvCxnSpPr>
+            <a:cxnSpLocks/>
+            <a:stCxn id="64" idx="0"/>
+            <a:endCxn id="73" idx="2"/>
+          </p:cNvCxnSpPr>
+          <p:nvPr/>
+        </p:nvCxnSpPr>
+        <p:spPr>
+          <a:xfrm flipH="1" flipV="1">
+            <a:off x="2170697" y="2575202"/>
+            <a:ext cx="4051461" cy="719183"/>
+          </a:xfrm>
+          <a:prstGeom prst="straightConnector1">
+            <a:avLst/>
+          </a:prstGeom>
+          <a:ln>
+            <a:solidFill>
+              <a:srgbClr val="6037B1"/>
+            </a:solidFill>
+            <a:headEnd type="triangle"/>
+            <a:tailEnd type="triangle"/>
+          </a:ln>
+          <a:effectLst>
+            <a:outerShdw blurRad="50800" dist="38100" dir="2700000" algn="tl" rotWithShape="0">
+              <a:prstClr val="black">
+                <a:alpha val="40000"/>
+              </a:prstClr>
+            </a:outerShdw>
+          </a:effectLst>
+        </p:spPr>
+        <p:style>
+          <a:lnRef idx="3">
+            <a:schemeClr val="accent1"/>
+          </a:lnRef>
+          <a:fillRef idx="0">
+            <a:schemeClr val="accent1"/>
+          </a:fillRef>
+          <a:effectRef idx="2">
+            <a:schemeClr val="accent1"/>
+          </a:effectRef>
+          <a:fontRef idx="minor">
+            <a:schemeClr val="tx1"/>
+          </a:fontRef>
+        </p:style>
+      </p:cxnSp>
+      <p:sp>
+        <p:nvSpPr>
+          <p:cNvPr id="53" name="TextBox 52">
+            <a:extLst>
+              <a:ext uri="{FF2B5EF4-FFF2-40B4-BE49-F238E27FC236}">
+                <a16:creationId xmlns:a16="http://schemas.microsoft.com/office/drawing/2014/main" id="{979AD9D9-17EF-4644-8273-AE95A3E69EF0}"/>
+              </a:ext>
+            </a:extLst>
+          </p:cNvPr>
+          <p:cNvSpPr txBox="1"/>
+          <p:nvPr/>
+        </p:nvSpPr>
+        <p:spPr>
+          <a:xfrm>
+            <a:off x="5896289" y="2853026"/>
+            <a:ext cx="758541" cy="369332"/>
+          </a:xfrm>
+          <a:prstGeom prst="rect">
+            <a:avLst/>
+          </a:prstGeom>
+          <a:noFill/>
+        </p:spPr>
+        <p:txBody>
+          <a:bodyPr wrap="none" rtlCol="0">
+            <a:spAutoFit/>
+          </a:bodyPr>
+          <a:lstStyle/>
+          <a:p>
+            <a:r>
+              <a:rPr lang="en-US" dirty="0"/>
+              <a:t>SF API</a:t>
+            </a:r>
+            <a:endParaRPr lang="en-US" baseline="-25000" dirty="0"/>
+          </a:p>
+        </p:txBody>
+      </p:sp>
+      <p:sp>
+        <p:nvSpPr>
+          <p:cNvPr id="63" name="Rectangle 62">
+            <a:extLst>
+              <a:ext uri="{FF2B5EF4-FFF2-40B4-BE49-F238E27FC236}">
+                <a16:creationId xmlns:a16="http://schemas.microsoft.com/office/drawing/2014/main" id="{786EC69F-3F74-4DC5-B2CB-D8ACDDC0EA68}"/>
+              </a:ext>
+            </a:extLst>
+          </p:cNvPr>
+          <p:cNvSpPr/>
+          <p:nvPr/>
+        </p:nvSpPr>
+        <p:spPr>
+          <a:xfrm>
+            <a:off x="3155573" y="5519800"/>
+            <a:ext cx="640080" cy="365760"/>
+          </a:xfrm>
+          <a:prstGeom prst="rect">
+            <a:avLst/>
+          </a:prstGeom>
+          <a:solidFill>
+            <a:srgbClr val="6037B1"/>
+          </a:solidFill>
+        </p:spPr>
+        <p:style>
+          <a:lnRef idx="0">
+            <a:schemeClr val="accent3"/>
+          </a:lnRef>
+          <a:fillRef idx="3">
+            <a:schemeClr val="accent3"/>
+          </a:fillRef>
+          <a:effectRef idx="3">
+            <a:schemeClr val="accent3"/>
+          </a:effectRef>
+          <a:fontRef idx="minor">
+            <a:schemeClr val="lt1"/>
+          </a:fontRef>
+        </p:style>
+        <p:txBody>
+          <a:bodyPr wrap="none" lIns="0" tIns="0" rIns="0" bIns="0" rtlCol="0" anchor="ctr"/>
+          <a:lstStyle/>
+          <a:p>
+            <a:pPr algn="ctr"/>
+            <a:r>
+              <a:rPr lang="en-US" b="1" kern="0" dirty="0"/>
+              <a:t>SF SS</a:t>
+            </a:r>
+          </a:p>
+        </p:txBody>
+      </p:sp>
+      <p:sp>
+        <p:nvSpPr>
+          <p:cNvPr id="81" name="Rectangle 80">
+            <a:extLst>
+              <a:ext uri="{FF2B5EF4-FFF2-40B4-BE49-F238E27FC236}">
+                <a16:creationId xmlns:a16="http://schemas.microsoft.com/office/drawing/2014/main" id="{BB49793D-4E52-430C-B1EB-24E80118E426}"/>
+              </a:ext>
+            </a:extLst>
+          </p:cNvPr>
+          <p:cNvSpPr/>
+          <p:nvPr/>
+        </p:nvSpPr>
+        <p:spPr>
+          <a:xfrm>
+            <a:off x="8385739" y="4087951"/>
+            <a:ext cx="640080" cy="365760"/>
+          </a:xfrm>
+          <a:prstGeom prst="rect">
+            <a:avLst/>
+          </a:prstGeom>
+          <a:solidFill>
+            <a:srgbClr val="6037B1"/>
+          </a:solidFill>
+        </p:spPr>
+        <p:style>
+          <a:lnRef idx="0">
+            <a:schemeClr val="accent3"/>
+          </a:lnRef>
+          <a:fillRef idx="3">
+            <a:schemeClr val="accent3"/>
+          </a:fillRef>
+          <a:effectRef idx="3">
+            <a:schemeClr val="accent3"/>
+          </a:effectRef>
+          <a:fontRef idx="minor">
+            <a:schemeClr val="lt1"/>
+          </a:fontRef>
+        </p:style>
+        <p:txBody>
+          <a:bodyPr wrap="none" lIns="0" tIns="0" rIns="0" bIns="0" rtlCol="0" anchor="ctr"/>
+          <a:lstStyle/>
+          <a:p>
+            <a:pPr algn="ctr"/>
+            <a:r>
+              <a:rPr lang="en-US" b="1" kern="0" dirty="0"/>
+              <a:t>SF SS</a:t>
+            </a:r>
+          </a:p>
+        </p:txBody>
+      </p:sp>
+      <p:sp>
+        <p:nvSpPr>
+          <p:cNvPr id="61" name="Rectangle 60">
+            <a:extLst>
+              <a:ext uri="{FF2B5EF4-FFF2-40B4-BE49-F238E27FC236}">
+                <a16:creationId xmlns:a16="http://schemas.microsoft.com/office/drawing/2014/main" id="{63118B24-DFEC-469F-A110-0C78D0638EB9}"/>
+              </a:ext>
+            </a:extLst>
+          </p:cNvPr>
+          <p:cNvSpPr/>
+          <p:nvPr/>
+        </p:nvSpPr>
+        <p:spPr>
+          <a:xfrm>
+            <a:off x="8471882" y="4402673"/>
+            <a:ext cx="182880" cy="182880"/>
+          </a:xfrm>
+          <a:prstGeom prst="rect">
+            <a:avLst/>
+          </a:prstGeom>
+        </p:spPr>
+        <p:style>
+          <a:lnRef idx="0">
+            <a:schemeClr val="accent6"/>
+          </a:lnRef>
+          <a:fillRef idx="3">
+            <a:schemeClr val="accent6"/>
+          </a:fillRef>
+          <a:effectRef idx="3">
+            <a:schemeClr val="accent6"/>
+          </a:effectRef>
+          <a:fontRef idx="minor">
+            <a:schemeClr val="lt1"/>
+          </a:fontRef>
+        </p:style>
+        <p:txBody>
+          <a:bodyPr wrap="none" tIns="0" rtlCol="0" anchor="t"/>
+          <a:lstStyle/>
+          <a:p>
+            <a:pPr algn="ctr"/>
+            <a:r>
+              <a:rPr lang="en-US" sz="1200" b="1" baseline="-25000" dirty="0"/>
+              <a:t>V</a:t>
+            </a:r>
+          </a:p>
+        </p:txBody>
+      </p:sp>
+      <p:sp>
+        <p:nvSpPr>
+          <p:cNvPr id="62" name="Rectangle 61">
+            <a:extLst>
+              <a:ext uri="{FF2B5EF4-FFF2-40B4-BE49-F238E27FC236}">
+                <a16:creationId xmlns:a16="http://schemas.microsoft.com/office/drawing/2014/main" id="{4B2CA18D-2BB9-4E3F-848A-9AAADDA67C42}"/>
+              </a:ext>
+            </a:extLst>
+          </p:cNvPr>
+          <p:cNvSpPr/>
+          <p:nvPr/>
+        </p:nvSpPr>
+        <p:spPr>
+          <a:xfrm>
+            <a:off x="8723956" y="4402673"/>
+            <a:ext cx="182880" cy="182880"/>
+          </a:xfrm>
+          <a:prstGeom prst="rect">
+            <a:avLst/>
+          </a:prstGeom>
+        </p:spPr>
+        <p:style>
+          <a:lnRef idx="0">
+            <a:schemeClr val="accent6"/>
+          </a:lnRef>
+          <a:fillRef idx="3">
+            <a:schemeClr val="accent6"/>
+          </a:fillRef>
+          <a:effectRef idx="3">
+            <a:schemeClr val="accent6"/>
+          </a:effectRef>
+          <a:fontRef idx="minor">
+            <a:schemeClr val="lt1"/>
+          </a:fontRef>
+        </p:style>
+        <p:txBody>
+          <a:bodyPr wrap="none" tIns="0" rtlCol="0" anchor="t"/>
+          <a:lstStyle/>
+          <a:p>
+            <a:pPr algn="ctr"/>
+            <a:r>
+              <a:rPr lang="en-US" sz="1200" b="1" baseline="-25000" dirty="0"/>
+              <a:t>F</a:t>
+            </a:r>
+          </a:p>
+        </p:txBody>
+      </p:sp>
+      <p:sp>
+        <p:nvSpPr>
+          <p:cNvPr id="82" name="Rectangle 81">
+            <a:extLst>
+              <a:ext uri="{FF2B5EF4-FFF2-40B4-BE49-F238E27FC236}">
+                <a16:creationId xmlns:a16="http://schemas.microsoft.com/office/drawing/2014/main" id="{86BA460F-D5BE-461F-9684-59D30992580E}"/>
+              </a:ext>
+            </a:extLst>
+          </p:cNvPr>
+          <p:cNvSpPr/>
+          <p:nvPr/>
+        </p:nvSpPr>
+        <p:spPr>
+          <a:xfrm>
+            <a:off x="4658788" y="5519800"/>
+            <a:ext cx="640080" cy="365760"/>
+          </a:xfrm>
+          <a:prstGeom prst="rect">
+            <a:avLst/>
+          </a:prstGeom>
+          <a:solidFill>
+            <a:srgbClr val="6037B1"/>
+          </a:solidFill>
+        </p:spPr>
+        <p:style>
+          <a:lnRef idx="0">
+            <a:schemeClr val="accent3"/>
+          </a:lnRef>
+          <a:fillRef idx="3">
+            <a:schemeClr val="accent3"/>
+          </a:fillRef>
+          <a:effectRef idx="3">
+            <a:schemeClr val="accent3"/>
+          </a:effectRef>
+          <a:fontRef idx="minor">
+            <a:schemeClr val="lt1"/>
+          </a:fontRef>
+        </p:style>
+        <p:txBody>
+          <a:bodyPr wrap="none" lIns="0" tIns="0" rIns="0" bIns="0" rtlCol="0" anchor="ctr"/>
+          <a:lstStyle/>
+          <a:p>
+            <a:pPr algn="ctr"/>
+            <a:r>
+              <a:rPr lang="en-US" b="1" kern="0" dirty="0"/>
+              <a:t>SF SS</a:t>
+            </a:r>
+          </a:p>
+        </p:txBody>
+      </p:sp>
+      <p:cxnSp>
+        <p:nvCxnSpPr>
+          <p:cNvPr id="87" name="Straight Arrow Connector 86">
+            <a:extLst>
+              <a:ext uri="{FF2B5EF4-FFF2-40B4-BE49-F238E27FC236}">
+                <a16:creationId xmlns:a16="http://schemas.microsoft.com/office/drawing/2014/main" id="{9A9856B4-A081-4DAC-9F55-50373545E08F}"/>
+              </a:ext>
+            </a:extLst>
+          </p:cNvPr>
+          <p:cNvCxnSpPr>
+            <a:cxnSpLocks/>
+            <a:stCxn id="82" idx="0"/>
+          </p:cNvCxnSpPr>
+          <p:nvPr/>
+        </p:nvCxnSpPr>
+        <p:spPr>
+          <a:xfrm flipV="1">
+            <a:off x="4978828" y="3776265"/>
+            <a:ext cx="15346" cy="1743535"/>
+          </a:xfrm>
+          <a:prstGeom prst="straightConnector1">
+            <a:avLst/>
+          </a:prstGeom>
+          <a:ln>
+            <a:solidFill>
+              <a:srgbClr val="6037B1"/>
+            </a:solidFill>
+            <a:headEnd type="triangle"/>
+            <a:tailEnd type="triangle"/>
+          </a:ln>
+          <a:effectLst>
+            <a:outerShdw blurRad="50800" dist="38100" dir="2700000" algn="tl" rotWithShape="0">
+              <a:prstClr val="black">
+                <a:alpha val="40000"/>
+              </a:prstClr>
+            </a:outerShdw>
+          </a:effectLst>
+        </p:spPr>
+        <p:style>
+          <a:lnRef idx="3">
+            <a:schemeClr val="accent1"/>
+          </a:lnRef>
+          <a:fillRef idx="0">
+            <a:schemeClr val="accent1"/>
+          </a:fillRef>
+          <a:effectRef idx="2">
+            <a:schemeClr val="accent1"/>
+          </a:effectRef>
+          <a:fontRef idx="minor">
+            <a:schemeClr val="tx1"/>
+          </a:fontRef>
+        </p:style>
+      </p:cxnSp>
+      <p:sp>
+        <p:nvSpPr>
+          <p:cNvPr id="88" name="TextBox 87">
+            <a:extLst>
+              <a:ext uri="{FF2B5EF4-FFF2-40B4-BE49-F238E27FC236}">
+                <a16:creationId xmlns:a16="http://schemas.microsoft.com/office/drawing/2014/main" id="{0781F699-8589-4E54-B990-273444D199F7}"/>
+              </a:ext>
+            </a:extLst>
+          </p:cNvPr>
+          <p:cNvSpPr txBox="1"/>
+          <p:nvPr/>
+        </p:nvSpPr>
+        <p:spPr>
+          <a:xfrm>
+            <a:off x="4952167" y="5017380"/>
+            <a:ext cx="758541" cy="369332"/>
+          </a:xfrm>
+          <a:prstGeom prst="rect">
+            <a:avLst/>
+          </a:prstGeom>
+          <a:noFill/>
+        </p:spPr>
+        <p:txBody>
+          <a:bodyPr wrap="none" rtlCol="0">
+            <a:spAutoFit/>
+          </a:bodyPr>
+          <a:lstStyle/>
+          <a:p>
+            <a:r>
+              <a:rPr lang="en-US" dirty="0"/>
+              <a:t>SF API</a:t>
+            </a:r>
+            <a:endParaRPr lang="en-US" baseline="-25000" dirty="0"/>
+          </a:p>
+        </p:txBody>
+      </p:sp>
+      <p:sp>
+        <p:nvSpPr>
+          <p:cNvPr id="92" name="Rectangle 91">
+            <a:extLst>
+              <a:ext uri="{FF2B5EF4-FFF2-40B4-BE49-F238E27FC236}">
+                <a16:creationId xmlns:a16="http://schemas.microsoft.com/office/drawing/2014/main" id="{00937914-4C0B-45F7-9F82-59E2C2F6064F}"/>
+              </a:ext>
+            </a:extLst>
+          </p:cNvPr>
+          <p:cNvSpPr/>
+          <p:nvPr/>
+        </p:nvSpPr>
+        <p:spPr>
+          <a:xfrm>
+            <a:off x="6060225" y="5523206"/>
+            <a:ext cx="640080" cy="365760"/>
+          </a:xfrm>
+          <a:prstGeom prst="rect">
+            <a:avLst/>
+          </a:prstGeom>
+          <a:solidFill>
+            <a:srgbClr val="6037B1"/>
+          </a:solidFill>
+        </p:spPr>
+        <p:style>
+          <a:lnRef idx="0">
+            <a:schemeClr val="accent3"/>
+          </a:lnRef>
+          <a:fillRef idx="3">
+            <a:schemeClr val="accent3"/>
+          </a:fillRef>
+          <a:effectRef idx="3">
+            <a:schemeClr val="accent3"/>
+          </a:effectRef>
+          <a:fontRef idx="minor">
+            <a:schemeClr val="lt1"/>
+          </a:fontRef>
+        </p:style>
+        <p:txBody>
+          <a:bodyPr wrap="none" lIns="0" tIns="0" rIns="0" bIns="0" rtlCol="0" anchor="ctr"/>
+          <a:lstStyle/>
+          <a:p>
+            <a:pPr algn="ctr"/>
+            <a:r>
+              <a:rPr lang="en-US" b="1" kern="0" dirty="0"/>
+              <a:t>SF SS</a:t>
+            </a:r>
+          </a:p>
+        </p:txBody>
+      </p:sp>
+      <p:cxnSp>
+        <p:nvCxnSpPr>
+          <p:cNvPr id="93" name="Straight Arrow Connector 92">
+            <a:extLst>
+              <a:ext uri="{FF2B5EF4-FFF2-40B4-BE49-F238E27FC236}">
+                <a16:creationId xmlns:a16="http://schemas.microsoft.com/office/drawing/2014/main" id="{A9761BC3-59E4-4E3C-AFB4-E253B9B94944}"/>
+              </a:ext>
+            </a:extLst>
+          </p:cNvPr>
+          <p:cNvCxnSpPr>
+            <a:cxnSpLocks/>
+            <a:stCxn id="92" idx="0"/>
+          </p:cNvCxnSpPr>
+          <p:nvPr/>
+        </p:nvCxnSpPr>
+        <p:spPr>
+          <a:xfrm flipV="1">
+            <a:off x="6380265" y="3779671"/>
+            <a:ext cx="0" cy="1743535"/>
+          </a:xfrm>
+          <a:prstGeom prst="straightConnector1">
+            <a:avLst/>
+          </a:prstGeom>
+          <a:ln>
+            <a:solidFill>
+              <a:srgbClr val="6037B1"/>
+            </a:solidFill>
+            <a:headEnd type="triangle"/>
+            <a:tailEnd type="triangle"/>
+          </a:ln>
+          <a:effectLst>
+            <a:outerShdw blurRad="50800" dist="38100" dir="2700000" algn="tl" rotWithShape="0">
+              <a:prstClr val="black">
+                <a:alpha val="40000"/>
+              </a:prstClr>
+            </a:outerShdw>
+          </a:effectLst>
+        </p:spPr>
+        <p:style>
+          <a:lnRef idx="3">
+            <a:schemeClr val="accent1"/>
+          </a:lnRef>
+          <a:fillRef idx="0">
+            <a:schemeClr val="accent1"/>
+          </a:fillRef>
+          <a:effectRef idx="2">
+            <a:schemeClr val="accent1"/>
+          </a:effectRef>
+          <a:fontRef idx="minor">
+            <a:schemeClr val="tx1"/>
+          </a:fontRef>
+        </p:style>
+      </p:cxnSp>
+      <p:sp>
+        <p:nvSpPr>
+          <p:cNvPr id="94" name="TextBox 93">
+            <a:extLst>
+              <a:ext uri="{FF2B5EF4-FFF2-40B4-BE49-F238E27FC236}">
+                <a16:creationId xmlns:a16="http://schemas.microsoft.com/office/drawing/2014/main" id="{84006C34-33E9-4947-B672-3BF7B6860B67}"/>
+              </a:ext>
+            </a:extLst>
+          </p:cNvPr>
+          <p:cNvSpPr txBox="1"/>
+          <p:nvPr/>
+        </p:nvSpPr>
+        <p:spPr>
+          <a:xfrm>
+            <a:off x="6353604" y="5020786"/>
+            <a:ext cx="758541" cy="369332"/>
+          </a:xfrm>
+          <a:prstGeom prst="rect">
+            <a:avLst/>
+          </a:prstGeom>
+          <a:noFill/>
+        </p:spPr>
+        <p:txBody>
+          <a:bodyPr wrap="none" rtlCol="0">
+            <a:spAutoFit/>
+          </a:bodyPr>
+          <a:lstStyle/>
+          <a:p>
+            <a:r>
+              <a:rPr lang="en-US" dirty="0"/>
+              <a:t>SF API</a:t>
+            </a:r>
+            <a:endParaRPr lang="en-US" baseline="-25000" dirty="0"/>
+          </a:p>
+        </p:txBody>
+      </p:sp>
+      <p:cxnSp>
+        <p:nvCxnSpPr>
+          <p:cNvPr id="95" name="Straight Arrow Connector 94">
+            <a:extLst>
+              <a:ext uri="{FF2B5EF4-FFF2-40B4-BE49-F238E27FC236}">
+                <a16:creationId xmlns:a16="http://schemas.microsoft.com/office/drawing/2014/main" id="{7FBF8ED7-E7B0-4F6A-807E-947D899FB62C}"/>
+              </a:ext>
+            </a:extLst>
+          </p:cNvPr>
+          <p:cNvCxnSpPr>
+            <a:cxnSpLocks/>
+            <a:stCxn id="81" idx="0"/>
+          </p:cNvCxnSpPr>
+          <p:nvPr/>
+        </p:nvCxnSpPr>
+        <p:spPr>
+          <a:xfrm flipV="1">
+            <a:off x="8705779" y="3776265"/>
+            <a:ext cx="0" cy="311686"/>
+          </a:xfrm>
+          <a:prstGeom prst="straightConnector1">
+            <a:avLst/>
+          </a:prstGeom>
+          <a:ln>
+            <a:solidFill>
+              <a:srgbClr val="6037B1"/>
+            </a:solidFill>
+            <a:headEnd type="triangle"/>
+            <a:tailEnd type="triangle"/>
+          </a:ln>
+          <a:effectLst>
+            <a:outerShdw blurRad="50800" dist="38100" dir="2700000" algn="tl" rotWithShape="0">
+              <a:prstClr val="black">
+                <a:alpha val="40000"/>
+              </a:prstClr>
+            </a:outerShdw>
+          </a:effectLst>
+        </p:spPr>
+        <p:style>
+          <a:lnRef idx="3">
+            <a:schemeClr val="accent1"/>
+          </a:lnRef>
+          <a:fillRef idx="0">
+            <a:schemeClr val="accent1"/>
+          </a:fillRef>
+          <a:effectRef idx="2">
+            <a:schemeClr val="accent1"/>
+          </a:effectRef>
+          <a:fontRef idx="minor">
+            <a:schemeClr val="tx1"/>
+          </a:fontRef>
+        </p:style>
+      </p:cxnSp>
+      <p:cxnSp>
+        <p:nvCxnSpPr>
+          <p:cNvPr id="96" name="Straight Arrow Connector 95">
+            <a:extLst>
+              <a:ext uri="{FF2B5EF4-FFF2-40B4-BE49-F238E27FC236}">
+                <a16:creationId xmlns:a16="http://schemas.microsoft.com/office/drawing/2014/main" id="{4A5663D4-3091-4B37-9120-249C59DA5B1A}"/>
+              </a:ext>
+            </a:extLst>
+          </p:cNvPr>
+          <p:cNvCxnSpPr>
+            <a:cxnSpLocks/>
+            <a:stCxn id="64" idx="0"/>
+            <a:endCxn id="74" idx="2"/>
+          </p:cNvCxnSpPr>
+          <p:nvPr/>
+        </p:nvCxnSpPr>
+        <p:spPr>
+          <a:xfrm flipH="1" flipV="1">
+            <a:off x="2422771" y="2575202"/>
+            <a:ext cx="3799387" cy="719183"/>
+          </a:xfrm>
+          <a:prstGeom prst="straightConnector1">
+            <a:avLst/>
+          </a:prstGeom>
+          <a:ln>
+            <a:solidFill>
+              <a:srgbClr val="6037B1"/>
+            </a:solidFill>
+            <a:headEnd type="triangle"/>
+            <a:tailEnd type="triangle"/>
+          </a:ln>
+          <a:effectLst>
+            <a:outerShdw blurRad="50800" dist="38100" dir="2700000" algn="tl" rotWithShape="0">
+              <a:prstClr val="black">
+                <a:alpha val="40000"/>
+              </a:prstClr>
+            </a:outerShdw>
+          </a:effectLst>
+        </p:spPr>
+        <p:style>
+          <a:lnRef idx="3">
+            <a:schemeClr val="accent1"/>
+          </a:lnRef>
+          <a:fillRef idx="0">
+            <a:schemeClr val="accent1"/>
+          </a:fillRef>
+          <a:effectRef idx="2">
+            <a:schemeClr val="accent1"/>
+          </a:effectRef>
+          <a:fontRef idx="minor">
+            <a:schemeClr val="tx1"/>
+          </a:fontRef>
+        </p:style>
+      </p:cxnSp>
+      <p:cxnSp>
+        <p:nvCxnSpPr>
+          <p:cNvPr id="97" name="Straight Arrow Connector 96">
+            <a:extLst>
+              <a:ext uri="{FF2B5EF4-FFF2-40B4-BE49-F238E27FC236}">
+                <a16:creationId xmlns:a16="http://schemas.microsoft.com/office/drawing/2014/main" id="{C11D7CC0-D14B-400C-AC9D-CE671E9621F8}"/>
+              </a:ext>
+            </a:extLst>
+          </p:cNvPr>
+          <p:cNvCxnSpPr>
+            <a:cxnSpLocks/>
+            <a:stCxn id="64" idx="0"/>
+            <a:endCxn id="79" idx="2"/>
+          </p:cNvCxnSpPr>
+          <p:nvPr/>
+        </p:nvCxnSpPr>
+        <p:spPr>
+          <a:xfrm flipH="1" flipV="1">
+            <a:off x="4656645" y="2564883"/>
+            <a:ext cx="1565513" cy="729502"/>
+          </a:xfrm>
+          <a:prstGeom prst="straightConnector1">
+            <a:avLst/>
+          </a:prstGeom>
+          <a:ln>
+            <a:solidFill>
+              <a:srgbClr val="6037B1"/>
+            </a:solidFill>
+            <a:headEnd type="triangle"/>
+            <a:tailEnd type="triangle"/>
+          </a:ln>
+          <a:effectLst>
+            <a:outerShdw blurRad="50800" dist="38100" dir="2700000" algn="tl" rotWithShape="0">
+              <a:prstClr val="black">
+                <a:alpha val="40000"/>
+              </a:prstClr>
+            </a:outerShdw>
+          </a:effectLst>
+        </p:spPr>
+        <p:style>
+          <a:lnRef idx="3">
+            <a:schemeClr val="accent1"/>
+          </a:lnRef>
+          <a:fillRef idx="0">
+            <a:schemeClr val="accent1"/>
+          </a:fillRef>
+          <a:effectRef idx="2">
+            <a:schemeClr val="accent1"/>
+          </a:effectRef>
+          <a:fontRef idx="minor">
+            <a:schemeClr val="tx1"/>
+          </a:fontRef>
+        </p:style>
+      </p:cxnSp>
+      <p:cxnSp>
+        <p:nvCxnSpPr>
+          <p:cNvPr id="98" name="Straight Arrow Connector 97">
+            <a:extLst>
+              <a:ext uri="{FF2B5EF4-FFF2-40B4-BE49-F238E27FC236}">
+                <a16:creationId xmlns:a16="http://schemas.microsoft.com/office/drawing/2014/main" id="{A4B8F247-D9CC-4485-8A4D-65E2EF8C1B6A}"/>
+              </a:ext>
+            </a:extLst>
+          </p:cNvPr>
+          <p:cNvCxnSpPr>
+            <a:cxnSpLocks/>
+            <a:stCxn id="64" idx="0"/>
+            <a:endCxn id="80" idx="2"/>
+          </p:cNvCxnSpPr>
+          <p:nvPr/>
+        </p:nvCxnSpPr>
+        <p:spPr>
+          <a:xfrm flipH="1" flipV="1">
+            <a:off x="4908719" y="2564883"/>
+            <a:ext cx="1313439" cy="729502"/>
+          </a:xfrm>
+          <a:prstGeom prst="straightConnector1">
+            <a:avLst/>
+          </a:prstGeom>
+          <a:ln>
+            <a:solidFill>
+              <a:srgbClr val="6037B1"/>
+            </a:solidFill>
+            <a:headEnd type="triangle"/>
+            <a:tailEnd type="triangle"/>
+          </a:ln>
+          <a:effectLst>
+            <a:outerShdw blurRad="50800" dist="38100" dir="2700000" algn="tl" rotWithShape="0">
+              <a:prstClr val="black">
+                <a:alpha val="40000"/>
+              </a:prstClr>
+            </a:outerShdw>
+          </a:effectLst>
+        </p:spPr>
+        <p:style>
+          <a:lnRef idx="3">
+            <a:schemeClr val="accent1"/>
+          </a:lnRef>
+          <a:fillRef idx="0">
+            <a:schemeClr val="accent1"/>
+          </a:fillRef>
+          <a:effectRef idx="2">
+            <a:schemeClr val="accent1"/>
+          </a:effectRef>
+          <a:fontRef idx="minor">
+            <a:schemeClr val="tx1"/>
+          </a:fontRef>
+        </p:style>
+      </p:cxnSp>
+      <p:cxnSp>
+        <p:nvCxnSpPr>
+          <p:cNvPr id="99" name="Straight Arrow Connector 98">
+            <a:extLst>
+              <a:ext uri="{FF2B5EF4-FFF2-40B4-BE49-F238E27FC236}">
+                <a16:creationId xmlns:a16="http://schemas.microsoft.com/office/drawing/2014/main" id="{DB3D50A0-0E78-4244-B9DD-753ACAD86840}"/>
+              </a:ext>
+            </a:extLst>
+          </p:cNvPr>
+          <p:cNvCxnSpPr>
+            <a:cxnSpLocks/>
+            <a:stCxn id="64" idx="0"/>
+            <a:endCxn id="83" idx="2"/>
+          </p:cNvCxnSpPr>
+          <p:nvPr/>
+        </p:nvCxnSpPr>
+        <p:spPr>
+          <a:xfrm flipV="1">
+            <a:off x="6222158" y="2575202"/>
+            <a:ext cx="912357" cy="719183"/>
+          </a:xfrm>
+          <a:prstGeom prst="straightConnector1">
+            <a:avLst/>
+          </a:prstGeom>
+          <a:ln>
+            <a:solidFill>
+              <a:srgbClr val="6037B1"/>
+            </a:solidFill>
+            <a:headEnd type="triangle"/>
+            <a:tailEnd type="triangle"/>
+          </a:ln>
+          <a:effectLst>
+            <a:outerShdw blurRad="50800" dist="38100" dir="2700000" algn="tl" rotWithShape="0">
+              <a:prstClr val="black">
+                <a:alpha val="40000"/>
+              </a:prstClr>
+            </a:outerShdw>
+          </a:effectLst>
+        </p:spPr>
+        <p:style>
+          <a:lnRef idx="3">
+            <a:schemeClr val="accent1"/>
+          </a:lnRef>
+          <a:fillRef idx="0">
+            <a:schemeClr val="accent1"/>
+          </a:fillRef>
+          <a:effectRef idx="2">
+            <a:schemeClr val="accent1"/>
+          </a:effectRef>
+          <a:fontRef idx="minor">
+            <a:schemeClr val="tx1"/>
+          </a:fontRef>
+        </p:style>
+      </p:cxnSp>
+      <p:cxnSp>
+        <p:nvCxnSpPr>
+          <p:cNvPr id="100" name="Straight Arrow Connector 99">
+            <a:extLst>
+              <a:ext uri="{FF2B5EF4-FFF2-40B4-BE49-F238E27FC236}">
+                <a16:creationId xmlns:a16="http://schemas.microsoft.com/office/drawing/2014/main" id="{D441740B-F735-4950-B4F6-E275B46B6C52}"/>
+              </a:ext>
+            </a:extLst>
+          </p:cNvPr>
+          <p:cNvCxnSpPr>
+            <a:cxnSpLocks/>
+            <a:stCxn id="64" idx="0"/>
+            <a:endCxn id="84" idx="2"/>
+          </p:cNvCxnSpPr>
+          <p:nvPr/>
+        </p:nvCxnSpPr>
+        <p:spPr>
+          <a:xfrm flipV="1">
+            <a:off x="6222158" y="2575202"/>
+            <a:ext cx="1164431" cy="719183"/>
+          </a:xfrm>
+          <a:prstGeom prst="straightConnector1">
+            <a:avLst/>
+          </a:prstGeom>
+          <a:ln>
+            <a:solidFill>
+              <a:srgbClr val="6037B1"/>
+            </a:solidFill>
+            <a:headEnd type="triangle"/>
+            <a:tailEnd type="triangle"/>
+          </a:ln>
+          <a:effectLst>
+            <a:outerShdw blurRad="50800" dist="38100" dir="2700000" algn="tl" rotWithShape="0">
+              <a:prstClr val="black">
+                <a:alpha val="40000"/>
+              </a:prstClr>
+            </a:outerShdw>
+          </a:effectLst>
+        </p:spPr>
+        <p:style>
+          <a:lnRef idx="3">
+            <a:schemeClr val="accent1"/>
+          </a:lnRef>
+          <a:fillRef idx="0">
+            <a:schemeClr val="accent1"/>
+          </a:fillRef>
+          <a:effectRef idx="2">
+            <a:schemeClr val="accent1"/>
+          </a:effectRef>
+          <a:fontRef idx="minor">
+            <a:schemeClr val="tx1"/>
+          </a:fontRef>
+        </p:style>
+      </p:cxnSp>
+      <p:cxnSp>
+        <p:nvCxnSpPr>
+          <p:cNvPr id="101" name="Straight Arrow Connector 100">
+            <a:extLst>
+              <a:ext uri="{FF2B5EF4-FFF2-40B4-BE49-F238E27FC236}">
+                <a16:creationId xmlns:a16="http://schemas.microsoft.com/office/drawing/2014/main" id="{1D13F940-7AC4-47AA-A40C-A1D6B4DB2C19}"/>
+              </a:ext>
+            </a:extLst>
+          </p:cNvPr>
+          <p:cNvCxnSpPr>
+            <a:cxnSpLocks/>
+            <a:stCxn id="64" idx="0"/>
+            <a:endCxn id="85" idx="2"/>
+          </p:cNvCxnSpPr>
+          <p:nvPr/>
+        </p:nvCxnSpPr>
+        <p:spPr>
+          <a:xfrm flipV="1">
+            <a:off x="6222158" y="2575202"/>
+            <a:ext cx="3338503" cy="719183"/>
+          </a:xfrm>
+          <a:prstGeom prst="straightConnector1">
+            <a:avLst/>
+          </a:prstGeom>
+          <a:ln>
+            <a:solidFill>
+              <a:srgbClr val="6037B1"/>
+            </a:solidFill>
+            <a:headEnd type="triangle"/>
+            <a:tailEnd type="triangle"/>
+          </a:ln>
+          <a:effectLst>
+            <a:outerShdw blurRad="50800" dist="38100" dir="2700000" algn="tl" rotWithShape="0">
+              <a:prstClr val="black">
+                <a:alpha val="40000"/>
+              </a:prstClr>
+            </a:outerShdw>
+          </a:effectLst>
+        </p:spPr>
+        <p:style>
+          <a:lnRef idx="3">
+            <a:schemeClr val="accent1"/>
+          </a:lnRef>
+          <a:fillRef idx="0">
+            <a:schemeClr val="accent1"/>
+          </a:fillRef>
+          <a:effectRef idx="2">
+            <a:schemeClr val="accent1"/>
+          </a:effectRef>
+          <a:fontRef idx="minor">
+            <a:schemeClr val="tx1"/>
+          </a:fontRef>
+        </p:style>
+      </p:cxnSp>
+      <p:cxnSp>
+        <p:nvCxnSpPr>
+          <p:cNvPr id="103" name="Straight Arrow Connector 102">
+            <a:extLst>
+              <a:ext uri="{FF2B5EF4-FFF2-40B4-BE49-F238E27FC236}">
+                <a16:creationId xmlns:a16="http://schemas.microsoft.com/office/drawing/2014/main" id="{B2544391-4CA9-4301-AD5E-FE9F1FAE8375}"/>
+              </a:ext>
+            </a:extLst>
+          </p:cNvPr>
+          <p:cNvCxnSpPr>
+            <a:cxnSpLocks/>
+            <a:stCxn id="64" idx="0"/>
+            <a:endCxn id="86" idx="2"/>
+          </p:cNvCxnSpPr>
+          <p:nvPr/>
+        </p:nvCxnSpPr>
+        <p:spPr>
+          <a:xfrm flipV="1">
+            <a:off x="6222158" y="2575202"/>
+            <a:ext cx="3590577" cy="719183"/>
+          </a:xfrm>
+          <a:prstGeom prst="straightConnector1">
+            <a:avLst/>
+          </a:prstGeom>
+          <a:ln>
+            <a:solidFill>
+              <a:srgbClr val="6037B1"/>
+            </a:solidFill>
+            <a:headEnd type="triangle"/>
+            <a:tailEnd type="triangle"/>
+          </a:ln>
+          <a:effectLst>
+            <a:outerShdw blurRad="50800" dist="38100" dir="2700000" algn="tl" rotWithShape="0">
+              <a:prstClr val="black">
+                <a:alpha val="40000"/>
+              </a:prstClr>
+            </a:outerShdw>
+          </a:effectLst>
+        </p:spPr>
+        <p:style>
+          <a:lnRef idx="3">
+            <a:schemeClr val="accent1"/>
+          </a:lnRef>
+          <a:fillRef idx="0">
+            <a:schemeClr val="accent1"/>
+          </a:fillRef>
+          <a:effectRef idx="2">
+            <a:schemeClr val="accent1"/>
+          </a:effectRef>
+          <a:fontRef idx="minor">
+            <a:schemeClr val="tx1"/>
+          </a:fontRef>
+        </p:style>
+      </p:cxnSp>
+    </p:spTree>
+    <p:extLst>
+      <p:ext uri="{BB962C8B-B14F-4D97-AF65-F5344CB8AC3E}">
+        <p14:creationId xmlns:p14="http://schemas.microsoft.com/office/powerpoint/2010/main" val="1174484053"/>
+      </p:ext>
+    </p:extLst>
+  </p:cSld>
+  <p:clrMapOvr>
+    <a:masterClrMapping/>
+  </p:clrMapOvr>
+</p:sld>
+</file>
+
+<file path=ppt/slides/slide15.xml><?xml version="1.0" encoding="utf-8"?>
+<p:sld xmlns:a="http://schemas.openxmlformats.org/drawingml/2006/main" xmlns:r="http://schemas.openxmlformats.org/officeDocument/2006/relationships" xmlns:p="http://schemas.openxmlformats.org/presentationml/2006/main">
+  <p:cSld>
+    <p:spTree>
+      <p:nvGrpSpPr>
+        <p:cNvPr id="1" name=""/>
+        <p:cNvGrpSpPr/>
+        <p:nvPr/>
+      </p:nvGrpSpPr>
+      <p:grpSpPr>
+        <a:xfrm>
+          <a:off x="0" y="0"/>
+          <a:ext cx="0" cy="0"/>
+          <a:chOff x="0" y="0"/>
+          <a:chExt cx="0" cy="0"/>
+        </a:xfrm>
+      </p:grpSpPr>
+      <p:sp>
+        <p:nvSpPr>
           <p:cNvPr id="2" name="Title 1">
             <a:extLst>
               <a:ext uri="{FF2B5EF4-FFF2-40B4-BE49-F238E27FC236}">
@@ -9595,6 +9795,18 @@
             <a:r>
               <a:rPr lang="en-US" dirty="0"/>
               <a:t>Creates classes of services based on underlying storage services</a:t>
+            </a:r>
+          </a:p>
+          <a:p>
+            <a:r>
+              <a:rPr lang="en-US" dirty="0"/>
+              <a:t>Focal point for storage management</a:t>
+            </a:r>
+          </a:p>
+          <a:p>
+            <a:r>
+              <a:rPr lang="en-US" dirty="0"/>
+              <a:t>Can be implemented as a cloud service</a:t>
             </a:r>
           </a:p>
           <a:p>
